--- a/gender_jobs_ic2s2_2019.pptx
+++ b/gender_jobs_ic2s2_2019.pptx
@@ -17,13 +17,13 @@
     <p:sldId id="360" r:id="rId5"/>
     <p:sldId id="361" r:id="rId6"/>
     <p:sldId id="363" r:id="rId7"/>
-    <p:sldId id="362" r:id="rId8"/>
-    <p:sldId id="366" r:id="rId9"/>
-    <p:sldId id="364" r:id="rId10"/>
-    <p:sldId id="365" r:id="rId11"/>
-    <p:sldId id="367" r:id="rId12"/>
-    <p:sldId id="368" r:id="rId13"/>
-    <p:sldId id="369" r:id="rId14"/>
+    <p:sldId id="364" r:id="rId8"/>
+    <p:sldId id="365" r:id="rId9"/>
+    <p:sldId id="367" r:id="rId10"/>
+    <p:sldId id="362" r:id="rId11"/>
+    <p:sldId id="366" r:id="rId12"/>
+    <p:sldId id="369" r:id="rId13"/>
+    <p:sldId id="368" r:id="rId14"/>
     <p:sldId id="370" r:id="rId15"/>
     <p:sldId id="374" r:id="rId16"/>
     <p:sldId id="371" r:id="rId17"/>
@@ -139,13 +139,13 @@
             <p14:sldId id="360"/>
             <p14:sldId id="361"/>
             <p14:sldId id="363"/>
-            <p14:sldId id="362"/>
-            <p14:sldId id="366"/>
             <p14:sldId id="364"/>
             <p14:sldId id="365"/>
             <p14:sldId id="367"/>
+            <p14:sldId id="362"/>
+            <p14:sldId id="366"/>
+            <p14:sldId id="369"/>
             <p14:sldId id="368"/>
-            <p14:sldId id="369"/>
             <p14:sldId id="370"/>
             <p14:sldId id="374"/>
             <p14:sldId id="371"/>
@@ -271,7 +271,7 @@
             <a:fld id="{328AAC5F-59AF-48C9-BF20-254BB8AC10A2}" type="datetimeFigureOut">
               <a:rPr lang="en-US" smtClean="0"/>
               <a:pPr/>
-              <a:t>7/17/19</a:t>
+              <a:t>7/20/19</a:t>
             </a:fld>
             <a:endParaRPr lang="en-US"/>
           </a:p>
@@ -438,7 +438,7 @@
             <a:fld id="{F9B78F23-7B17-4360-9B56-489977FCF4C4}" type="datetimeFigureOut">
               <a:rPr lang="en-US" smtClean="0"/>
               <a:pPr/>
-              <a:t>7/17/19</a:t>
+              <a:t>7/20/19</a:t>
             </a:fld>
             <a:endParaRPr lang="en-US"/>
           </a:p>
@@ -743,7 +743,7 @@
             <a:fld id="{BFDF100A-1439-47B5-93D9-212615D5B14A}" type="datetime4">
               <a:rPr lang="en-US" smtClean="0"/>
               <a:pPr/>
-              <a:t>July 17, 2019</a:t>
+              <a:t>July 20, 2019</a:t>
             </a:fld>
             <a:endParaRPr lang="en-US"/>
           </a:p>
@@ -1212,7 +1212,7 @@
             <a:fld id="{BFDF100A-1439-47B5-93D9-212615D5B14A}" type="datetime4">
               <a:rPr lang="en-US" smtClean="0"/>
               <a:pPr/>
-              <a:t>July 17, 2019</a:t>
+              <a:t>July 20, 2019</a:t>
             </a:fld>
             <a:endParaRPr lang="en-US"/>
           </a:p>
@@ -1838,7 +1838,7 @@
             <a:fld id="{2F5814D8-D17E-403D-BB23-DF0CDA7DEB2B}" type="datetime4">
               <a:rPr lang="en-US" smtClean="0"/>
               <a:pPr/>
-              <a:t>July 17, 2019</a:t>
+              <a:t>July 20, 2019</a:t>
             </a:fld>
             <a:endParaRPr lang="en-US" dirty="0"/>
           </a:p>
@@ -2170,7 +2170,7 @@
             <a:fld id="{2F5814D8-D17E-403D-BB23-DF0CDA7DEB2B}" type="datetime4">
               <a:rPr lang="en-US" smtClean="0"/>
               <a:pPr/>
-              <a:t>July 17, 2019</a:t>
+              <a:t>July 20, 2019</a:t>
             </a:fld>
             <a:endParaRPr lang="en-US" dirty="0"/>
           </a:p>
@@ -2456,7 +2456,7 @@
             <a:fld id="{2F5814D8-D17E-403D-BB23-DF0CDA7DEB2B}" type="datetime4">
               <a:rPr lang="en-US" smtClean="0"/>
               <a:pPr/>
-              <a:t>July 17, 2019</a:t>
+              <a:t>July 20, 2019</a:t>
             </a:fld>
             <a:endParaRPr lang="en-US" dirty="0"/>
           </a:p>
@@ -2712,7 +2712,7 @@
             <a:fld id="{72DEDA58-0F44-4E6F-A662-CD004C5E500D}" type="datetime4">
               <a:rPr lang="en-US" smtClean="0"/>
               <a:pPr/>
-              <a:t>July 17, 2019</a:t>
+              <a:t>July 20, 2019</a:t>
             </a:fld>
             <a:endParaRPr lang="en-US" dirty="0"/>
           </a:p>
@@ -3432,7 +3432,7 @@
             <a:fld id="{2F5814D8-D17E-403D-BB23-DF0CDA7DEB2B}" type="datetime4">
               <a:rPr lang="en-US" smtClean="0"/>
               <a:pPr/>
-              <a:t>July 17, 2019</a:t>
+              <a:t>July 20, 2019</a:t>
             </a:fld>
             <a:endParaRPr lang="en-US" dirty="0"/>
           </a:p>
@@ -4047,7 +4047,7 @@
             <a:fld id="{2F5814D8-D17E-403D-BB23-DF0CDA7DEB2B}" type="datetime4">
               <a:rPr lang="en-US" smtClean="0"/>
               <a:pPr/>
-              <a:t>July 17, 2019</a:t>
+              <a:t>July 20, 2019</a:t>
             </a:fld>
             <a:endParaRPr lang="en-US" dirty="0"/>
           </a:p>
@@ -4197,7 +4197,7 @@
             <a:fld id="{2F5814D8-D17E-403D-BB23-DF0CDA7DEB2B}" type="datetime4">
               <a:rPr lang="en-US" smtClean="0"/>
               <a:pPr/>
-              <a:t>July 17, 2019</a:t>
+              <a:t>July 20, 2019</a:t>
             </a:fld>
             <a:endParaRPr lang="en-US" dirty="0"/>
           </a:p>
@@ -4318,7 +4318,7 @@
             <a:fld id="{2F5814D8-D17E-403D-BB23-DF0CDA7DEB2B}" type="datetime4">
               <a:rPr lang="en-US" smtClean="0"/>
               <a:pPr/>
-              <a:t>July 17, 2019</a:t>
+              <a:t>July 20, 2019</a:t>
             </a:fld>
             <a:endParaRPr lang="en-US" dirty="0"/>
           </a:p>
@@ -4519,7 +4519,7 @@
             <a:fld id="{B0143470-16DF-460A-BC96-502A97480E6E}" type="datetime4">
               <a:rPr lang="en-US" smtClean="0"/>
               <a:pPr/>
-              <a:t>July 17, 2019</a:t>
+              <a:t>July 20, 2019</a:t>
             </a:fld>
             <a:endParaRPr lang="en-US" dirty="0"/>
           </a:p>
@@ -5218,7 +5218,7 @@
           <p:cNvPr id="6" name="Text Placeholder 4">
             <a:extLst>
               <a:ext uri="{FF2B5EF4-FFF2-40B4-BE49-F238E27FC236}">
-                <a16:creationId xmlns="" xmlns:a16="http://schemas.microsoft.com/office/drawing/2014/main" id="{F86DBC7F-B8FB-A04C-8A6E-BB271C86AA34}"/>
+                <a16:creationId xmlns:a16="http://schemas.microsoft.com/office/drawing/2014/main" xmlns="" id="{F86DBC7F-B8FB-A04C-8A6E-BB271C86AA34}"/>
               </a:ext>
             </a:extLst>
           </p:cNvPr>
@@ -5448,7 +5448,7 @@
           <p:cNvPr id="2" name="Date Placeholder 1">
             <a:extLst>
               <a:ext uri="{FF2B5EF4-FFF2-40B4-BE49-F238E27FC236}">
-                <a16:creationId xmlns="" xmlns:a16="http://schemas.microsoft.com/office/drawing/2014/main" id="{5D2ED429-06A7-DD44-9C58-50D57BD4381E}"/>
+                <a16:creationId xmlns:a16="http://schemas.microsoft.com/office/drawing/2014/main" xmlns="" id="{F8FE1C3C-0B84-554B-8863-18D89DD3EAD4}"/>
               </a:ext>
             </a:extLst>
           </p:cNvPr>
@@ -5467,7 +5467,7 @@
             <a:fld id="{2F5814D8-D17E-403D-BB23-DF0CDA7DEB2B}" type="datetime4">
               <a:rPr lang="en-US" smtClean="0"/>
               <a:pPr/>
-              <a:t>July 17, 2019</a:t>
+              <a:t>July 20, 2019</a:t>
             </a:fld>
             <a:endParaRPr lang="en-US" dirty="0"/>
           </a:p>
@@ -5478,7 +5478,7 @@
           <p:cNvPr id="3" name="Slide Number Placeholder 2">
             <a:extLst>
               <a:ext uri="{FF2B5EF4-FFF2-40B4-BE49-F238E27FC236}">
-                <a16:creationId xmlns="" xmlns:a16="http://schemas.microsoft.com/office/drawing/2014/main" id="{63AC43CF-E662-1640-8325-A5213A0F3CC7}"/>
+                <a16:creationId xmlns:a16="http://schemas.microsoft.com/office/drawing/2014/main" xmlns="" id="{B8860DED-7581-7543-AD2D-470CE85BC629}"/>
               </a:ext>
             </a:extLst>
           </p:cNvPr>
@@ -5508,7 +5508,7 @@
           <p:cNvPr id="4" name="Title 3">
             <a:extLst>
               <a:ext uri="{FF2B5EF4-FFF2-40B4-BE49-F238E27FC236}">
-                <a16:creationId xmlns="" xmlns:a16="http://schemas.microsoft.com/office/drawing/2014/main" id="{29A52E9F-A5E7-A64F-A4EB-43304E662494}"/>
+                <a16:creationId xmlns:a16="http://schemas.microsoft.com/office/drawing/2014/main" xmlns="" id="{D699FC79-2AFD-3740-9D5B-1B0E32D6DE0C}"/>
               </a:ext>
             </a:extLst>
           </p:cNvPr>
@@ -5521,12 +5521,14 @@
         </p:nvSpPr>
         <p:spPr/>
         <p:txBody>
-          <a:bodyPr/>
-          <a:lstStyle/>
-          <a:p>
-            <a:r>
-              <a:rPr lang="en-US" dirty="0"/>
-              <a:t>Methodology: Data Pipeline</a:t>
+          <a:bodyPr>
+            <a:normAutofit/>
+          </a:bodyPr>
+          <a:lstStyle/>
+          <a:p>
+            <a:r>
+              <a:rPr lang="en-US" dirty="0"/>
+              <a:t>What is Transfer Learning?</a:t>
             </a:r>
           </a:p>
         </p:txBody>
@@ -5536,7 +5538,7 @@
           <p:cNvPr id="5" name="Text Placeholder 4">
             <a:extLst>
               <a:ext uri="{FF2B5EF4-FFF2-40B4-BE49-F238E27FC236}">
-                <a16:creationId xmlns="" xmlns:a16="http://schemas.microsoft.com/office/drawing/2014/main" id="{7E9B7EC1-DCFE-9945-9C02-0F7830A7BD28}"/>
+                <a16:creationId xmlns:a16="http://schemas.microsoft.com/office/drawing/2014/main" xmlns="" id="{7E028AA6-01DD-AE4D-BD02-AD316F13E143}"/>
               </a:ext>
             </a:extLst>
           </p:cNvPr>
@@ -5558,21 +5560,8 @@
             </a:pPr>
             <a:r>
               <a:rPr lang="en-US" dirty="0"/>
-              <a:t>Image </a:t>
-            </a:r>
-            <a:r>
-              <a:rPr lang="en-US" dirty="0" smtClean="0"/>
-              <a:t>Collection: </a:t>
-            </a:r>
-            <a:r>
-              <a:rPr lang="en-US" b="1" dirty="0"/>
-              <a:t>saved and indexed top 100 images, and saved them in a database hosted on AWS</a:t>
-            </a:r>
-            <a:r>
-              <a:rPr lang="en-US" dirty="0" smtClean="0"/>
-              <a:t> </a:t>
-            </a:r>
-            <a:endParaRPr lang="en-US" dirty="0"/>
+              <a:t>Neural Network has many layers </a:t>
+            </a:r>
           </a:p>
           <a:p>
             <a:pPr>
@@ -5581,25 +5570,8 @@
             </a:pPr>
             <a:r>
               <a:rPr lang="en-US" dirty="0"/>
-              <a:t>Face </a:t>
-            </a:r>
-            <a:r>
-              <a:rPr lang="en-US" dirty="0" smtClean="0"/>
-              <a:t>Detection: </a:t>
-            </a:r>
-            <a:r>
-              <a:rPr lang="en-US" b="1" dirty="0" smtClean="0"/>
-              <a:t>Open </a:t>
-            </a:r>
-            <a:r>
-              <a:rPr lang="en-US" b="1" dirty="0"/>
-              <a:t>Source  Python package </a:t>
-            </a:r>
-            <a:r>
-              <a:rPr lang="en-US" b="1" dirty="0" err="1" smtClean="0"/>
-              <a:t>dlib</a:t>
-            </a:r>
-            <a:endParaRPr lang="en-US" dirty="0"/>
+              <a:t>Some neurons react to simple stimuli, others to complex stimuli </a:t>
+            </a:r>
           </a:p>
           <a:p>
             <a:pPr>
@@ -5608,54 +5580,44 @@
             </a:pPr>
             <a:r>
               <a:rPr lang="en-US" dirty="0"/>
-              <a:t>Gender Classification </a:t>
-            </a:r>
-          </a:p>
-          <a:p>
+              <a:t>Lower layers </a:t>
+            </a:r>
+            <a:r>
+              <a:rPr lang="en-US"/>
+              <a:t>of </a:t>
+            </a:r>
+            <a:r>
+              <a:rPr lang="en-US" smtClean="0"/>
+              <a:t>pre-trained </a:t>
+            </a:r>
+            <a:r>
+              <a:rPr lang="en-US" dirty="0"/>
+              <a:t>models often have useful features </a:t>
+            </a:r>
+          </a:p>
+          <a:p>
+            <a:pPr>
+              <a:buFont typeface="Arial" panose="020B0604020202020204" pitchFamily="34" charset="0"/>
+              <a:buChar char="•"/>
+            </a:pPr>
+            <a:r>
+              <a:rPr lang="en-US" dirty="0"/>
+              <a:t>Reusing them saves a lot of computation time </a:t>
+            </a:r>
+          </a:p>
+          <a:p>
+            <a:pPr>
+              <a:buFont typeface="Arial" panose="020B0604020202020204" pitchFamily="34" charset="0"/>
+              <a:buChar char="•"/>
+            </a:pPr>
             <a:endParaRPr lang="en-US" dirty="0"/>
           </a:p>
         </p:txBody>
       </p:sp>
-      <p:pic>
-        <p:nvPicPr>
-          <p:cNvPr id="9" name="Picture 8">
-            <a:extLst>
-              <a:ext uri="{FF2B5EF4-FFF2-40B4-BE49-F238E27FC236}">
-                <a16:creationId xmlns="" xmlns:a16="http://schemas.microsoft.com/office/drawing/2014/main" id="{CD740452-A280-964A-9EDD-36E39E0A86A0}"/>
-              </a:ext>
-            </a:extLst>
-          </p:cNvPr>
-          <p:cNvPicPr>
-            <a:picLocks noChangeAspect="1"/>
-          </p:cNvPicPr>
-          <p:nvPr/>
-        </p:nvPicPr>
-        <p:blipFill>
-          <a:blip r:embed="rId2">
-            <a:extLst>
-              <a:ext uri="{28A0092B-C50C-407E-A947-70E740481C1C}">
-                <a14:useLocalDpi xmlns:a14="http://schemas.microsoft.com/office/drawing/2010/main" val="0"/>
-              </a:ext>
-            </a:extLst>
-          </a:blip>
-          <a:stretch>
-            <a:fillRect/>
-          </a:stretch>
-        </p:blipFill>
-        <p:spPr>
-          <a:xfrm>
-            <a:off x="2143125" y="2275579"/>
-            <a:ext cx="4095750" cy="2296421"/>
-          </a:xfrm>
-          <a:prstGeom prst="rect">
-            <a:avLst/>
-          </a:prstGeom>
-        </p:spPr>
-      </p:pic>
     </p:spTree>
     <p:extLst>
       <p:ext uri="{BB962C8B-B14F-4D97-AF65-F5344CB8AC3E}">
-        <p14:creationId xmlns:p14="http://schemas.microsoft.com/office/powerpoint/2010/main" val="1481608053"/>
+        <p14:creationId xmlns:p14="http://schemas.microsoft.com/office/powerpoint/2010/main" val="3933929866"/>
       </p:ext>
     </p:extLst>
   </p:cSld>
@@ -5694,7 +5656,7 @@
           <p:cNvPr id="2" name="Date Placeholder 1">
             <a:extLst>
               <a:ext uri="{FF2B5EF4-FFF2-40B4-BE49-F238E27FC236}">
-                <a16:creationId xmlns="" xmlns:a16="http://schemas.microsoft.com/office/drawing/2014/main" id="{5D2ED429-06A7-DD44-9C58-50D57BD4381E}"/>
+                <a16:creationId xmlns:a16="http://schemas.microsoft.com/office/drawing/2014/main" xmlns="" id="{97F78418-A86F-6948-A93F-084D53867D5B}"/>
               </a:ext>
             </a:extLst>
           </p:cNvPr>
@@ -5713,7 +5675,7 @@
             <a:fld id="{2F5814D8-D17E-403D-BB23-DF0CDA7DEB2B}" type="datetime4">
               <a:rPr lang="en-US" smtClean="0"/>
               <a:pPr/>
-              <a:t>July 17, 2019</a:t>
+              <a:t>July 20, 2019</a:t>
             </a:fld>
             <a:endParaRPr lang="en-US" dirty="0"/>
           </a:p>
@@ -5724,7 +5686,7 @@
           <p:cNvPr id="3" name="Slide Number Placeholder 2">
             <a:extLst>
               <a:ext uri="{FF2B5EF4-FFF2-40B4-BE49-F238E27FC236}">
-                <a16:creationId xmlns="" xmlns:a16="http://schemas.microsoft.com/office/drawing/2014/main" id="{63AC43CF-E662-1640-8325-A5213A0F3CC7}"/>
+                <a16:creationId xmlns:a16="http://schemas.microsoft.com/office/drawing/2014/main" xmlns="" id="{E407CBD4-B5EF-AF4C-9040-8043455B5F0B}"/>
               </a:ext>
             </a:extLst>
           </p:cNvPr>
@@ -5754,7 +5716,7 @@
           <p:cNvPr id="4" name="Title 3">
             <a:extLst>
               <a:ext uri="{FF2B5EF4-FFF2-40B4-BE49-F238E27FC236}">
-                <a16:creationId xmlns="" xmlns:a16="http://schemas.microsoft.com/office/drawing/2014/main" id="{29A52E9F-A5E7-A64F-A4EB-43304E662494}"/>
+                <a16:creationId xmlns:a16="http://schemas.microsoft.com/office/drawing/2014/main" xmlns="" id="{52DF8B58-2998-D04C-8E46-9B8123866F94}"/>
               </a:ext>
             </a:extLst>
           </p:cNvPr>
@@ -5767,12 +5729,22 @@
         </p:nvSpPr>
         <p:spPr/>
         <p:txBody>
-          <a:bodyPr/>
-          <a:lstStyle/>
-          <a:p>
-            <a:r>
-              <a:rPr lang="en-US" dirty="0"/>
-              <a:t>Methodology: Data Pipeline</a:t>
+          <a:bodyPr>
+            <a:normAutofit/>
+          </a:bodyPr>
+          <a:lstStyle/>
+          <a:p>
+            <a:r>
+              <a:rPr lang="en-US" dirty="0"/>
+              <a:t>Fine Tuning a </a:t>
+            </a:r>
+            <a:r>
+              <a:rPr lang="en-US" dirty="0" err="1"/>
+              <a:t>pretrained</a:t>
+            </a:r>
+            <a:r>
+              <a:rPr lang="en-US" dirty="0"/>
+              <a:t> Neural Network Model</a:t>
             </a:r>
           </a:p>
         </p:txBody>
@@ -5782,7 +5754,7 @@
           <p:cNvPr id="5" name="Text Placeholder 4">
             <a:extLst>
               <a:ext uri="{FF2B5EF4-FFF2-40B4-BE49-F238E27FC236}">
-                <a16:creationId xmlns="" xmlns:a16="http://schemas.microsoft.com/office/drawing/2014/main" id="{7E9B7EC1-DCFE-9945-9C02-0F7830A7BD28}"/>
+                <a16:creationId xmlns:a16="http://schemas.microsoft.com/office/drawing/2014/main" xmlns="" id="{6F69DCCE-CFEF-5C4F-BA45-CEF0861F2D11}"/>
               </a:ext>
             </a:extLst>
           </p:cNvPr>
@@ -5804,15 +5776,7 @@
             </a:pPr>
             <a:r>
               <a:rPr lang="en-US" dirty="0"/>
-              <a:t>Image Collection: </a:t>
-            </a:r>
-            <a:r>
-              <a:rPr lang="en-US" b="1" dirty="0"/>
-              <a:t>saved and indexed top 100 images, and saved them in a database hosted on AWS</a:t>
-            </a:r>
-            <a:r>
-              <a:rPr lang="en-US" dirty="0"/>
-              <a:t> </a:t>
+              <a:t>Pre-trained VGG16</a:t>
             </a:r>
           </a:p>
           <a:p>
@@ -5820,18 +5784,6 @@
               <a:buFont typeface="Arial" panose="020B0604020202020204" pitchFamily="34" charset="0"/>
               <a:buChar char="•"/>
             </a:pPr>
-            <a:r>
-              <a:rPr lang="en-US" dirty="0"/>
-              <a:t>Face Detection: </a:t>
-            </a:r>
-            <a:r>
-              <a:rPr lang="en-US" b="1" dirty="0"/>
-              <a:t>Open Source  Python package </a:t>
-            </a:r>
-            <a:r>
-              <a:rPr lang="en-US" b="1" dirty="0" err="1"/>
-              <a:t>dlib</a:t>
-            </a:r>
             <a:endParaRPr lang="en-US" dirty="0"/>
           </a:p>
           <a:p>
@@ -5839,30 +5791,37 @@
               <a:buFont typeface="Arial" panose="020B0604020202020204" pitchFamily="34" charset="0"/>
               <a:buChar char="•"/>
             </a:pPr>
-            <a:r>
-              <a:rPr lang="en-US" dirty="0" smtClean="0"/>
-              <a:t>Gender </a:t>
-            </a:r>
-            <a:r>
-              <a:rPr lang="en-US" dirty="0"/>
-              <a:t>Classification:</a:t>
-            </a:r>
-            <a:r>
-              <a:rPr lang="en-US" b="1" dirty="0"/>
-              <a:t> leveraged pre-trained neural network via Transfer Learning </a:t>
-            </a:r>
-          </a:p>
-          <a:p>
             <a:endParaRPr lang="en-US" dirty="0"/>
+          </a:p>
+          <a:p>
+            <a:pPr>
+              <a:buFont typeface="Arial" panose="020B0604020202020204" pitchFamily="34" charset="0"/>
+              <a:buChar char="•"/>
+            </a:pPr>
+            <a:endParaRPr lang="en-US" dirty="0"/>
+          </a:p>
+          <a:p>
+            <a:pPr marL="0" indent="0"/>
+            <a:endParaRPr lang="en-US" dirty="0"/>
+          </a:p>
+          <a:p>
+            <a:pPr>
+              <a:buFont typeface="Arial" panose="020B0604020202020204" pitchFamily="34" charset="0"/>
+              <a:buChar char="•"/>
+            </a:pPr>
+            <a:r>
+              <a:rPr lang="en-US" dirty="0"/>
+              <a:t>freeze the VGG base, add custom layers, and unfreeze the top layers to retrain </a:t>
+            </a:r>
           </a:p>
         </p:txBody>
       </p:sp>
       <p:pic>
         <p:nvPicPr>
-          <p:cNvPr id="7" name="Picture 6">
+          <p:cNvPr id="17" name="Picture 16">
             <a:extLst>
               <a:ext uri="{FF2B5EF4-FFF2-40B4-BE49-F238E27FC236}">
-                <a16:creationId xmlns="" xmlns:a16="http://schemas.microsoft.com/office/drawing/2014/main" id="{7F6473A9-831E-414D-919C-19D6BF85587A}"/>
+                <a16:creationId xmlns:a16="http://schemas.microsoft.com/office/drawing/2014/main" xmlns="" id="{C477BDF6-9605-2141-AAF6-12964C4175EC}"/>
               </a:ext>
             </a:extLst>
           </p:cNvPr>
@@ -5885,8 +5844,44 @@
         </p:blipFill>
         <p:spPr>
           <a:xfrm>
-            <a:off x="2057400" y="2419350"/>
-            <a:ext cx="4611668" cy="2552700"/>
+            <a:off x="1047750" y="1352550"/>
+            <a:ext cx="3524250" cy="1312956"/>
+          </a:xfrm>
+          <a:prstGeom prst="rect">
+            <a:avLst/>
+          </a:prstGeom>
+        </p:spPr>
+      </p:pic>
+      <p:pic>
+        <p:nvPicPr>
+          <p:cNvPr id="19" name="Picture 18">
+            <a:extLst>
+              <a:ext uri="{FF2B5EF4-FFF2-40B4-BE49-F238E27FC236}">
+                <a16:creationId xmlns:a16="http://schemas.microsoft.com/office/drawing/2014/main" xmlns="" id="{8CC84891-640C-E44C-A32C-0AA63C4EA762}"/>
+              </a:ext>
+            </a:extLst>
+          </p:cNvPr>
+          <p:cNvPicPr>
+            <a:picLocks noChangeAspect="1"/>
+          </p:cNvPicPr>
+          <p:nvPr/>
+        </p:nvPicPr>
+        <p:blipFill>
+          <a:blip r:embed="rId3">
+            <a:extLst>
+              <a:ext uri="{28A0092B-C50C-407E-A947-70E740481C1C}">
+                <a14:useLocalDpi xmlns:a14="http://schemas.microsoft.com/office/drawing/2010/main" val="0"/>
+              </a:ext>
+            </a:extLst>
+          </a:blip>
+          <a:stretch>
+            <a:fillRect/>
+          </a:stretch>
+        </p:blipFill>
+        <p:spPr>
+          <a:xfrm>
+            <a:off x="1066800" y="3002802"/>
+            <a:ext cx="3429000" cy="1889847"/>
           </a:xfrm>
           <a:prstGeom prst="rect">
             <a:avLst/>
@@ -5896,7 +5891,7 @@
     </p:spTree>
     <p:extLst>
       <p:ext uri="{BB962C8B-B14F-4D97-AF65-F5344CB8AC3E}">
-        <p14:creationId xmlns:p14="http://schemas.microsoft.com/office/powerpoint/2010/main" val="1751664395"/>
+        <p14:creationId xmlns:p14="http://schemas.microsoft.com/office/powerpoint/2010/main" val="4146233270"/>
       </p:ext>
     </p:extLst>
   </p:cSld>
@@ -5935,7 +5930,7 @@
           <p:cNvPr id="2" name="Date Placeholder 1">
             <a:extLst>
               <a:ext uri="{FF2B5EF4-FFF2-40B4-BE49-F238E27FC236}">
-                <a16:creationId xmlns="" xmlns:a16="http://schemas.microsoft.com/office/drawing/2014/main" id="{5F405650-140C-314C-8A9F-EE358F9A52DE}"/>
+                <a16:creationId xmlns:a16="http://schemas.microsoft.com/office/drawing/2014/main" xmlns="" id="{470218D8-50CA-D345-9E50-0F518B289C87}"/>
               </a:ext>
             </a:extLst>
           </p:cNvPr>
@@ -5954,7 +5949,7 @@
             <a:fld id="{2F5814D8-D17E-403D-BB23-DF0CDA7DEB2B}" type="datetime4">
               <a:rPr lang="en-US" smtClean="0"/>
               <a:pPr/>
-              <a:t>July 17, 2019</a:t>
+              <a:t>July 20, 2019</a:t>
             </a:fld>
             <a:endParaRPr lang="en-US" dirty="0"/>
           </a:p>
@@ -5965,7 +5960,7 @@
           <p:cNvPr id="3" name="Slide Number Placeholder 2">
             <a:extLst>
               <a:ext uri="{FF2B5EF4-FFF2-40B4-BE49-F238E27FC236}">
-                <a16:creationId xmlns="" xmlns:a16="http://schemas.microsoft.com/office/drawing/2014/main" id="{0C8A0675-E857-9F45-BE79-EC68F3DA6D4F}"/>
+                <a16:creationId xmlns:a16="http://schemas.microsoft.com/office/drawing/2014/main" xmlns="" id="{1D1FC7B2-980E-1A42-BA2A-9D696E5388B7}"/>
               </a:ext>
             </a:extLst>
           </p:cNvPr>
@@ -5995,7 +5990,7 @@
           <p:cNvPr id="4" name="Title 3">
             <a:extLst>
               <a:ext uri="{FF2B5EF4-FFF2-40B4-BE49-F238E27FC236}">
-                <a16:creationId xmlns="" xmlns:a16="http://schemas.microsoft.com/office/drawing/2014/main" id="{3BA13742-76BF-6D41-9865-04B53D6016F7}"/>
+                <a16:creationId xmlns:a16="http://schemas.microsoft.com/office/drawing/2014/main" xmlns="" id="{634A169D-6746-B54A-B4EF-48453DF90936}"/>
               </a:ext>
             </a:extLst>
           </p:cNvPr>
@@ -6008,12 +6003,14 @@
         </p:nvSpPr>
         <p:spPr/>
         <p:txBody>
-          <a:bodyPr/>
-          <a:lstStyle/>
-          <a:p>
-            <a:r>
-              <a:rPr lang="en-US" dirty="0"/>
-              <a:t>Occupation List</a:t>
+          <a:bodyPr>
+            <a:normAutofit/>
+          </a:bodyPr>
+          <a:lstStyle/>
+          <a:p>
+            <a:r>
+              <a:rPr lang="en-US" dirty="0"/>
+              <a:t>Model </a:t>
             </a:r>
           </a:p>
         </p:txBody>
@@ -6023,7 +6020,7 @@
           <p:cNvPr id="5" name="Text Placeholder 4">
             <a:extLst>
               <a:ext uri="{FF2B5EF4-FFF2-40B4-BE49-F238E27FC236}">
-                <a16:creationId xmlns="" xmlns:a16="http://schemas.microsoft.com/office/drawing/2014/main" id="{A364B955-C090-E14E-A765-BBA602AEE2C8}"/>
+                <a16:creationId xmlns:a16="http://schemas.microsoft.com/office/drawing/2014/main" xmlns="" id="{4CE06577-6314-E64C-B3C4-12818AF746CD}"/>
               </a:ext>
             </a:extLst>
           </p:cNvPr>
@@ -6038,24 +6035,21 @@
         <p:txBody>
           <a:bodyPr/>
           <a:lstStyle/>
+          <a:p>
+            <a:pPr marL="0" indent="0"/>
+            <a:r>
+              <a:rPr lang="en-US" b="1" dirty="0"/>
+              <a:t>Training Data Summary</a:t>
+            </a:r>
+          </a:p>
           <a:p>
             <a:pPr>
               <a:buFont typeface="Arial" panose="020B0604020202020204" pitchFamily="34" charset="0"/>
               <a:buChar char="•"/>
             </a:pPr>
             <a:r>
-              <a:rPr lang="en-US" b="1" dirty="0"/>
-              <a:t>Domestic</a:t>
-            </a:r>
-          </a:p>
-          <a:p>
-            <a:pPr lvl="1">
-              <a:buFont typeface="Arial" panose="020B0604020202020204" pitchFamily="34" charset="0"/>
-              <a:buChar char="•"/>
-            </a:pPr>
-            <a:r>
-              <a:rPr lang="en-US" dirty="0"/>
-              <a:t>105 job titles that are identical to the BLS</a:t>
+              <a:rPr lang="en-US" dirty="0"/>
+              <a:t>27K faces, 14K males, 12K females</a:t>
             </a:r>
           </a:p>
           <a:p>
@@ -6064,18 +6058,49 @@
               <a:buChar char="•"/>
             </a:pPr>
             <a:r>
-              <a:rPr lang="en-US" b="1" dirty="0"/>
-              <a:t>Global</a:t>
-            </a:r>
-          </a:p>
-          <a:p>
-            <a:pPr lvl="1">
+              <a:rPr lang="en-US" dirty="0"/>
+              <a:t>7 data sets from different sources</a:t>
+            </a:r>
+          </a:p>
+          <a:p>
+            <a:pPr>
               <a:buFont typeface="Arial" panose="020B0604020202020204" pitchFamily="34" charset="0"/>
               <a:buChar char="•"/>
             </a:pPr>
             <a:r>
               <a:rPr lang="en-US" dirty="0"/>
-              <a:t>20 more general job titles</a:t>
+              <a:t>Emphasis on diversity: Brazilian municipal candidates, famous minorities, Labeled Faces in the Wild, google image searches by country</a:t>
+            </a:r>
+          </a:p>
+          <a:p>
+            <a:pPr marL="0" indent="0"/>
+            <a:endParaRPr lang="en-US" b="1" dirty="0"/>
+          </a:p>
+          <a:p>
+            <a:pPr marL="0" indent="0"/>
+            <a:r>
+              <a:rPr lang="en-US" b="1" dirty="0"/>
+              <a:t>Model Performance</a:t>
+            </a:r>
+          </a:p>
+          <a:p>
+            <a:pPr>
+              <a:buFont typeface="Arial" panose="020B0604020202020204" pitchFamily="34" charset="0"/>
+              <a:buChar char="•"/>
+            </a:pPr>
+            <a:r>
+              <a:rPr lang="en-US" dirty="0"/>
+              <a:t>Reserved 20% of images for validation (7K faces) : 95% accuracy overall</a:t>
+            </a:r>
+          </a:p>
+          <a:p>
+            <a:pPr>
+              <a:buFont typeface="Arial" panose="020B0604020202020204" pitchFamily="34" charset="0"/>
+              <a:buChar char="•"/>
+            </a:pPr>
+            <a:r>
+              <a:rPr lang="en-US" dirty="0"/>
+              <a:t>Consistent performance across different minority groups</a:t>
             </a:r>
           </a:p>
           <a:p>
@@ -6090,7 +6115,7 @@
     </p:spTree>
     <p:extLst>
       <p:ext uri="{BB962C8B-B14F-4D97-AF65-F5344CB8AC3E}">
-        <p14:creationId xmlns:p14="http://schemas.microsoft.com/office/powerpoint/2010/main" val="320660567"/>
+        <p14:creationId xmlns:p14="http://schemas.microsoft.com/office/powerpoint/2010/main" val="775373630"/>
       </p:ext>
     </p:extLst>
   </p:cSld>
@@ -6129,7 +6154,7 @@
           <p:cNvPr id="2" name="Date Placeholder 1">
             <a:extLst>
               <a:ext uri="{FF2B5EF4-FFF2-40B4-BE49-F238E27FC236}">
-                <a16:creationId xmlns="" xmlns:a16="http://schemas.microsoft.com/office/drawing/2014/main" id="{470218D8-50CA-D345-9E50-0F518B289C87}"/>
+                <a16:creationId xmlns:a16="http://schemas.microsoft.com/office/drawing/2014/main" xmlns="" id="{5F405650-140C-314C-8A9F-EE358F9A52DE}"/>
               </a:ext>
             </a:extLst>
           </p:cNvPr>
@@ -6148,7 +6173,7 @@
             <a:fld id="{2F5814D8-D17E-403D-BB23-DF0CDA7DEB2B}" type="datetime4">
               <a:rPr lang="en-US" smtClean="0"/>
               <a:pPr/>
-              <a:t>July 17, 2019</a:t>
+              <a:t>July 20, 2019</a:t>
             </a:fld>
             <a:endParaRPr lang="en-US" dirty="0"/>
           </a:p>
@@ -6159,7 +6184,7 @@
           <p:cNvPr id="3" name="Slide Number Placeholder 2">
             <a:extLst>
               <a:ext uri="{FF2B5EF4-FFF2-40B4-BE49-F238E27FC236}">
-                <a16:creationId xmlns="" xmlns:a16="http://schemas.microsoft.com/office/drawing/2014/main" id="{1D1FC7B2-980E-1A42-BA2A-9D696E5388B7}"/>
+                <a16:creationId xmlns:a16="http://schemas.microsoft.com/office/drawing/2014/main" xmlns="" id="{0C8A0675-E857-9F45-BE79-EC68F3DA6D4F}"/>
               </a:ext>
             </a:extLst>
           </p:cNvPr>
@@ -6189,7 +6214,7 @@
           <p:cNvPr id="4" name="Title 3">
             <a:extLst>
               <a:ext uri="{FF2B5EF4-FFF2-40B4-BE49-F238E27FC236}">
-                <a16:creationId xmlns="" xmlns:a16="http://schemas.microsoft.com/office/drawing/2014/main" id="{634A169D-6746-B54A-B4EF-48453DF90936}"/>
+                <a16:creationId xmlns:a16="http://schemas.microsoft.com/office/drawing/2014/main" xmlns="" id="{3BA13742-76BF-6D41-9865-04B53D6016F7}"/>
               </a:ext>
             </a:extLst>
           </p:cNvPr>
@@ -6202,14 +6227,12 @@
         </p:nvSpPr>
         <p:spPr/>
         <p:txBody>
-          <a:bodyPr>
-            <a:normAutofit/>
-          </a:bodyPr>
-          <a:lstStyle/>
-          <a:p>
-            <a:r>
-              <a:rPr lang="en-US" dirty="0"/>
-              <a:t>Model </a:t>
+          <a:bodyPr/>
+          <a:lstStyle/>
+          <a:p>
+            <a:r>
+              <a:rPr lang="en-US" dirty="0"/>
+              <a:t>Occupation List</a:t>
             </a:r>
           </a:p>
         </p:txBody>
@@ -6219,7 +6242,7 @@
           <p:cNvPr id="5" name="Text Placeholder 4">
             <a:extLst>
               <a:ext uri="{FF2B5EF4-FFF2-40B4-BE49-F238E27FC236}">
-                <a16:creationId xmlns="" xmlns:a16="http://schemas.microsoft.com/office/drawing/2014/main" id="{4CE06577-6314-E64C-B3C4-12818AF746CD}"/>
+                <a16:creationId xmlns:a16="http://schemas.microsoft.com/office/drawing/2014/main" xmlns="" id="{A364B955-C090-E14E-A765-BBA602AEE2C8}"/>
               </a:ext>
             </a:extLst>
           </p:cNvPr>
@@ -6234,21 +6257,24 @@
         <p:txBody>
           <a:bodyPr/>
           <a:lstStyle/>
-          <a:p>
-            <a:pPr marL="0" indent="0"/>
-            <a:r>
-              <a:rPr lang="en-US" b="1" dirty="0"/>
-              <a:t>Training Data Summary</a:t>
-            </a:r>
-          </a:p>
           <a:p>
             <a:pPr>
               <a:buFont typeface="Arial" panose="020B0604020202020204" pitchFamily="34" charset="0"/>
               <a:buChar char="•"/>
             </a:pPr>
             <a:r>
-              <a:rPr lang="en-US" dirty="0"/>
-              <a:t>27K faces, 14K males, 12K females</a:t>
+              <a:rPr lang="en-US" b="1" dirty="0"/>
+              <a:t>Domestic</a:t>
+            </a:r>
+          </a:p>
+          <a:p>
+            <a:pPr lvl="1">
+              <a:buFont typeface="Arial" panose="020B0604020202020204" pitchFamily="34" charset="0"/>
+              <a:buChar char="•"/>
+            </a:pPr>
+            <a:r>
+              <a:rPr lang="en-US" dirty="0"/>
+              <a:t>105 job titles that are identical to the BLS</a:t>
             </a:r>
           </a:p>
           <a:p>
@@ -6257,49 +6283,18 @@
               <a:buChar char="•"/>
             </a:pPr>
             <a:r>
-              <a:rPr lang="en-US" dirty="0"/>
-              <a:t>7 data sets from different sources</a:t>
-            </a:r>
-          </a:p>
-          <a:p>
-            <a:pPr>
+              <a:rPr lang="en-US" b="1" dirty="0"/>
+              <a:t>Global</a:t>
+            </a:r>
+          </a:p>
+          <a:p>
+            <a:pPr lvl="1">
               <a:buFont typeface="Arial" panose="020B0604020202020204" pitchFamily="34" charset="0"/>
               <a:buChar char="•"/>
             </a:pPr>
             <a:r>
               <a:rPr lang="en-US" dirty="0"/>
-              <a:t>Emphasis on diversity: Brazilian municipal candidates, famous minorities, Labeled Faces in the Wild, google image searches by country</a:t>
-            </a:r>
-          </a:p>
-          <a:p>
-            <a:pPr marL="0" indent="0"/>
-            <a:endParaRPr lang="en-US" b="1" dirty="0"/>
-          </a:p>
-          <a:p>
-            <a:pPr marL="0" indent="0"/>
-            <a:r>
-              <a:rPr lang="en-US" b="1" dirty="0"/>
-              <a:t>Model Performance</a:t>
-            </a:r>
-          </a:p>
-          <a:p>
-            <a:pPr>
-              <a:buFont typeface="Arial" panose="020B0604020202020204" pitchFamily="34" charset="0"/>
-              <a:buChar char="•"/>
-            </a:pPr>
-            <a:r>
-              <a:rPr lang="en-US" dirty="0"/>
-              <a:t>Reserved 20% of images for validation (7K faces) : 95% accuracy overall</a:t>
-            </a:r>
-          </a:p>
-          <a:p>
-            <a:pPr>
-              <a:buFont typeface="Arial" panose="020B0604020202020204" pitchFamily="34" charset="0"/>
-              <a:buChar char="•"/>
-            </a:pPr>
-            <a:r>
-              <a:rPr lang="en-US" dirty="0"/>
-              <a:t>Consistent performance across different minority groups</a:t>
+              <a:t>20 more general job titles</a:t>
             </a:r>
           </a:p>
           <a:p>
@@ -6314,7 +6309,7 @@
     </p:spTree>
     <p:extLst>
       <p:ext uri="{BB962C8B-B14F-4D97-AF65-F5344CB8AC3E}">
-        <p14:creationId xmlns:p14="http://schemas.microsoft.com/office/powerpoint/2010/main" val="775373630"/>
+        <p14:creationId xmlns:p14="http://schemas.microsoft.com/office/powerpoint/2010/main" val="320660567"/>
       </p:ext>
     </p:extLst>
   </p:cSld>
@@ -6353,7 +6348,7 @@
           <p:cNvPr id="2" name="Date Placeholder 1">
             <a:extLst>
               <a:ext uri="{FF2B5EF4-FFF2-40B4-BE49-F238E27FC236}">
-                <a16:creationId xmlns="" xmlns:a16="http://schemas.microsoft.com/office/drawing/2014/main" id="{9F812910-CC01-B24F-9F00-78FB6EDE9FF8}"/>
+                <a16:creationId xmlns:a16="http://schemas.microsoft.com/office/drawing/2014/main" xmlns="" id="{9F812910-CC01-B24F-9F00-78FB6EDE9FF8}"/>
               </a:ext>
             </a:extLst>
           </p:cNvPr>
@@ -6372,7 +6367,7 @@
             <a:fld id="{2F5814D8-D17E-403D-BB23-DF0CDA7DEB2B}" type="datetime4">
               <a:rPr lang="en-US" smtClean="0"/>
               <a:pPr/>
-              <a:t>July 17, 2019</a:t>
+              <a:t>July 20, 2019</a:t>
             </a:fld>
             <a:endParaRPr lang="en-US" dirty="0"/>
           </a:p>
@@ -6383,7 +6378,7 @@
           <p:cNvPr id="3" name="Slide Number Placeholder 2">
             <a:extLst>
               <a:ext uri="{FF2B5EF4-FFF2-40B4-BE49-F238E27FC236}">
-                <a16:creationId xmlns="" xmlns:a16="http://schemas.microsoft.com/office/drawing/2014/main" id="{C06135C1-D35C-5B45-AC5E-6A5BAC7B1AD9}"/>
+                <a16:creationId xmlns:a16="http://schemas.microsoft.com/office/drawing/2014/main" xmlns="" id="{C06135C1-D35C-5B45-AC5E-6A5BAC7B1AD9}"/>
               </a:ext>
             </a:extLst>
           </p:cNvPr>
@@ -6413,7 +6408,7 @@
           <p:cNvPr id="4" name="Title 3">
             <a:extLst>
               <a:ext uri="{FF2B5EF4-FFF2-40B4-BE49-F238E27FC236}">
-                <a16:creationId xmlns="" xmlns:a16="http://schemas.microsoft.com/office/drawing/2014/main" id="{D999BF4B-ECB4-4448-BF04-8C413A4B249D}"/>
+                <a16:creationId xmlns:a16="http://schemas.microsoft.com/office/drawing/2014/main" xmlns="" id="{D999BF4B-ECB4-4448-BF04-8C413A4B249D}"/>
               </a:ext>
             </a:extLst>
           </p:cNvPr>
@@ -6448,7 +6443,7 @@
           <p:cNvPr id="7" name="Picture 6">
             <a:extLst>
               <a:ext uri="{FF2B5EF4-FFF2-40B4-BE49-F238E27FC236}">
-                <a16:creationId xmlns="" xmlns:a16="http://schemas.microsoft.com/office/drawing/2014/main" id="{4C3F3BD1-B0CB-D64F-9513-7166C0E18CD9}"/>
+                <a16:creationId xmlns:a16="http://schemas.microsoft.com/office/drawing/2014/main" xmlns="" id="{4C3F3BD1-B0CB-D64F-9513-7166C0E18CD9}"/>
               </a:ext>
             </a:extLst>
           </p:cNvPr>
@@ -6484,7 +6479,7 @@
           <p:cNvPr id="6" name="Title 3">
             <a:extLst>
               <a:ext uri="{FF2B5EF4-FFF2-40B4-BE49-F238E27FC236}">
-                <a16:creationId xmlns="" xmlns:a16="http://schemas.microsoft.com/office/drawing/2014/main" id="{D999BF4B-ECB4-4448-BF04-8C413A4B249D}"/>
+                <a16:creationId xmlns:a16="http://schemas.microsoft.com/office/drawing/2014/main" xmlns="" id="{D999BF4B-ECB4-4448-BF04-8C413A4B249D}"/>
               </a:ext>
             </a:extLst>
           </p:cNvPr>
@@ -6587,7 +6582,7 @@
           <p:cNvPr id="2" name="Date Placeholder 1">
             <a:extLst>
               <a:ext uri="{FF2B5EF4-FFF2-40B4-BE49-F238E27FC236}">
-                <a16:creationId xmlns="" xmlns:a16="http://schemas.microsoft.com/office/drawing/2014/main" id="{411023CE-3251-A145-BE01-8903CCFDD844}"/>
+                <a16:creationId xmlns:a16="http://schemas.microsoft.com/office/drawing/2014/main" xmlns="" id="{411023CE-3251-A145-BE01-8903CCFDD844}"/>
               </a:ext>
             </a:extLst>
           </p:cNvPr>
@@ -6606,7 +6601,7 @@
             <a:fld id="{2F5814D8-D17E-403D-BB23-DF0CDA7DEB2B}" type="datetime4">
               <a:rPr lang="en-US" smtClean="0"/>
               <a:pPr/>
-              <a:t>July 17, 2019</a:t>
+              <a:t>July 20, 2019</a:t>
             </a:fld>
             <a:endParaRPr lang="en-US" dirty="0"/>
           </a:p>
@@ -6617,7 +6612,7 @@
           <p:cNvPr id="3" name="Slide Number Placeholder 2">
             <a:extLst>
               <a:ext uri="{FF2B5EF4-FFF2-40B4-BE49-F238E27FC236}">
-                <a16:creationId xmlns="" xmlns:a16="http://schemas.microsoft.com/office/drawing/2014/main" id="{3672D563-A7D4-C24A-8F26-AFA763AF6A8B}"/>
+                <a16:creationId xmlns:a16="http://schemas.microsoft.com/office/drawing/2014/main" xmlns="" id="{3672D563-A7D4-C24A-8F26-AFA763AF6A8B}"/>
               </a:ext>
             </a:extLst>
           </p:cNvPr>
@@ -6647,7 +6642,7 @@
           <p:cNvPr id="4" name="Title 3">
             <a:extLst>
               <a:ext uri="{FF2B5EF4-FFF2-40B4-BE49-F238E27FC236}">
-                <a16:creationId xmlns="" xmlns:a16="http://schemas.microsoft.com/office/drawing/2014/main" id="{D4B19960-DBF4-D847-A8D4-6BBCD078B052}"/>
+                <a16:creationId xmlns:a16="http://schemas.microsoft.com/office/drawing/2014/main" xmlns="" id="{D4B19960-DBF4-D847-A8D4-6BBCD078B052}"/>
               </a:ext>
             </a:extLst>
           </p:cNvPr>
@@ -6682,7 +6677,7 @@
           <p:cNvPr id="6" name="Picture 5">
             <a:extLst>
               <a:ext uri="{FF2B5EF4-FFF2-40B4-BE49-F238E27FC236}">
-                <a16:creationId xmlns="" xmlns:a16="http://schemas.microsoft.com/office/drawing/2014/main" id="{E2BD72E6-72EC-BC4E-84BB-07F44208F306}"/>
+                <a16:creationId xmlns:a16="http://schemas.microsoft.com/office/drawing/2014/main" xmlns="" id="{E2BD72E6-72EC-BC4E-84BB-07F44208F306}"/>
               </a:ext>
             </a:extLst>
           </p:cNvPr>
@@ -6718,7 +6713,7 @@
           <p:cNvPr id="7" name="Title 3">
             <a:extLst>
               <a:ext uri="{FF2B5EF4-FFF2-40B4-BE49-F238E27FC236}">
-                <a16:creationId xmlns="" xmlns:a16="http://schemas.microsoft.com/office/drawing/2014/main" id="{D999BF4B-ECB4-4448-BF04-8C413A4B249D}"/>
+                <a16:creationId xmlns:a16="http://schemas.microsoft.com/office/drawing/2014/main" xmlns="" id="{D999BF4B-ECB4-4448-BF04-8C413A4B249D}"/>
               </a:ext>
             </a:extLst>
           </p:cNvPr>
@@ -6810,7 +6805,7 @@
           <p:cNvPr id="2" name="Date Placeholder 1">
             <a:extLst>
               <a:ext uri="{FF2B5EF4-FFF2-40B4-BE49-F238E27FC236}">
-                <a16:creationId xmlns="" xmlns:a16="http://schemas.microsoft.com/office/drawing/2014/main" id="{411023CE-3251-A145-BE01-8903CCFDD844}"/>
+                <a16:creationId xmlns:a16="http://schemas.microsoft.com/office/drawing/2014/main" xmlns="" id="{411023CE-3251-A145-BE01-8903CCFDD844}"/>
               </a:ext>
             </a:extLst>
           </p:cNvPr>
@@ -6829,7 +6824,7 @@
             <a:fld id="{2F5814D8-D17E-403D-BB23-DF0CDA7DEB2B}" type="datetime4">
               <a:rPr lang="en-US" smtClean="0"/>
               <a:pPr/>
-              <a:t>July 17, 2019</a:t>
+              <a:t>July 20, 2019</a:t>
             </a:fld>
             <a:endParaRPr lang="en-US" dirty="0"/>
           </a:p>
@@ -6840,7 +6835,7 @@
           <p:cNvPr id="3" name="Slide Number Placeholder 2">
             <a:extLst>
               <a:ext uri="{FF2B5EF4-FFF2-40B4-BE49-F238E27FC236}">
-                <a16:creationId xmlns="" xmlns:a16="http://schemas.microsoft.com/office/drawing/2014/main" id="{3672D563-A7D4-C24A-8F26-AFA763AF6A8B}"/>
+                <a16:creationId xmlns:a16="http://schemas.microsoft.com/office/drawing/2014/main" xmlns="" id="{3672D563-A7D4-C24A-8F26-AFA763AF6A8B}"/>
               </a:ext>
             </a:extLst>
           </p:cNvPr>
@@ -6870,7 +6865,7 @@
           <p:cNvPr id="4" name="Title 3">
             <a:extLst>
               <a:ext uri="{FF2B5EF4-FFF2-40B4-BE49-F238E27FC236}">
-                <a16:creationId xmlns="" xmlns:a16="http://schemas.microsoft.com/office/drawing/2014/main" id="{D4B19960-DBF4-D847-A8D4-6BBCD078B052}"/>
+                <a16:creationId xmlns:a16="http://schemas.microsoft.com/office/drawing/2014/main" xmlns="" id="{D4B19960-DBF4-D847-A8D4-6BBCD078B052}"/>
               </a:ext>
             </a:extLst>
           </p:cNvPr>
@@ -6905,7 +6900,7 @@
           <p:cNvPr id="7" name="Picture 6">
             <a:extLst>
               <a:ext uri="{FF2B5EF4-FFF2-40B4-BE49-F238E27FC236}">
-                <a16:creationId xmlns="" xmlns:a16="http://schemas.microsoft.com/office/drawing/2014/main" id="{B7A40212-6414-4E4C-B8A9-5AC0193322C1}"/>
+                <a16:creationId xmlns:a16="http://schemas.microsoft.com/office/drawing/2014/main" xmlns="" id="{B7A40212-6414-4E4C-B8A9-5AC0193322C1}"/>
               </a:ext>
             </a:extLst>
           </p:cNvPr>
@@ -6941,7 +6936,7 @@
           <p:cNvPr id="6" name="Title 3">
             <a:extLst>
               <a:ext uri="{FF2B5EF4-FFF2-40B4-BE49-F238E27FC236}">
-                <a16:creationId xmlns="" xmlns:a16="http://schemas.microsoft.com/office/drawing/2014/main" id="{D999BF4B-ECB4-4448-BF04-8C413A4B249D}"/>
+                <a16:creationId xmlns:a16="http://schemas.microsoft.com/office/drawing/2014/main" xmlns="" id="{D999BF4B-ECB4-4448-BF04-8C413A4B249D}"/>
               </a:ext>
             </a:extLst>
           </p:cNvPr>
@@ -7038,7 +7033,7 @@
           <p:cNvPr id="2" name="Date Placeholder 1">
             <a:extLst>
               <a:ext uri="{FF2B5EF4-FFF2-40B4-BE49-F238E27FC236}">
-                <a16:creationId xmlns="" xmlns:a16="http://schemas.microsoft.com/office/drawing/2014/main" id="{4A075408-8EB1-2D4A-B7AC-DB5D8DFAA7F8}"/>
+                <a16:creationId xmlns:a16="http://schemas.microsoft.com/office/drawing/2014/main" xmlns="" id="{4A075408-8EB1-2D4A-B7AC-DB5D8DFAA7F8}"/>
               </a:ext>
             </a:extLst>
           </p:cNvPr>
@@ -7057,7 +7052,7 @@
             <a:fld id="{2F5814D8-D17E-403D-BB23-DF0CDA7DEB2B}" type="datetime4">
               <a:rPr lang="en-US" smtClean="0"/>
               <a:pPr/>
-              <a:t>July 17, 2019</a:t>
+              <a:t>July 20, 2019</a:t>
             </a:fld>
             <a:endParaRPr lang="en-US" dirty="0"/>
           </a:p>
@@ -7068,7 +7063,7 @@
           <p:cNvPr id="3" name="Slide Number Placeholder 2">
             <a:extLst>
               <a:ext uri="{FF2B5EF4-FFF2-40B4-BE49-F238E27FC236}">
-                <a16:creationId xmlns="" xmlns:a16="http://schemas.microsoft.com/office/drawing/2014/main" id="{26708E73-6E8D-FD46-BE4D-42A5D8E5FF66}"/>
+                <a16:creationId xmlns:a16="http://schemas.microsoft.com/office/drawing/2014/main" xmlns="" id="{26708E73-6E8D-FD46-BE4D-42A5D8E5FF66}"/>
               </a:ext>
             </a:extLst>
           </p:cNvPr>
@@ -7098,7 +7093,7 @@
           <p:cNvPr id="4" name="Title 3">
             <a:extLst>
               <a:ext uri="{FF2B5EF4-FFF2-40B4-BE49-F238E27FC236}">
-                <a16:creationId xmlns="" xmlns:a16="http://schemas.microsoft.com/office/drawing/2014/main" id="{ED9F3170-F46A-7645-80B7-7D6FDFFB82EB}"/>
+                <a16:creationId xmlns:a16="http://schemas.microsoft.com/office/drawing/2014/main" xmlns="" id="{ED9F3170-F46A-7645-80B7-7D6FDFFB82EB}"/>
               </a:ext>
             </a:extLst>
           </p:cNvPr>
@@ -7126,7 +7121,7 @@
           <p:cNvPr id="5" name="Text Placeholder 4">
             <a:extLst>
               <a:ext uri="{FF2B5EF4-FFF2-40B4-BE49-F238E27FC236}">
-                <a16:creationId xmlns="" xmlns:a16="http://schemas.microsoft.com/office/drawing/2014/main" id="{E60EB587-1D58-E748-BB6E-B4CAD2F83CFF}"/>
+                <a16:creationId xmlns:a16="http://schemas.microsoft.com/office/drawing/2014/main" xmlns="" id="{E60EB587-1D58-E748-BB6E-B4CAD2F83CFF}"/>
               </a:ext>
             </a:extLst>
           </p:cNvPr>
@@ -7148,11 +7143,7 @@
             </a:pPr>
             <a:r>
               <a:rPr lang="en-US" dirty="0" smtClean="0"/>
-              <a:t>Image s</a:t>
-            </a:r>
-            <a:r>
-              <a:rPr lang="en-US" dirty="0" smtClean="0"/>
-              <a:t>earches for common jobs somewhat underrepresent women (57% of jobs)</a:t>
+              <a:t>Image searches for common jobs somewhat underrepresent women (57% of jobs)</a:t>
             </a:r>
           </a:p>
           <a:p>
@@ -7162,7 +7153,23 @@
             </a:pPr>
             <a:r>
               <a:rPr lang="en-US" dirty="0" smtClean="0"/>
-              <a:t>Somewhat paradoxically, image searches also depict more diversity than exists</a:t>
+              <a:t>Somewhat paradoxically</a:t>
+            </a:r>
+            <a:r>
+              <a:rPr lang="en-US" dirty="0" smtClean="0"/>
+              <a:t>, certain </a:t>
+            </a:r>
+            <a:r>
+              <a:rPr lang="en-US" dirty="0" smtClean="0"/>
+              <a:t>image searches </a:t>
+            </a:r>
+            <a:r>
+              <a:rPr lang="en-US" dirty="0" smtClean="0"/>
+              <a:t>depict </a:t>
+            </a:r>
+            <a:r>
+              <a:rPr lang="en-US" dirty="0" smtClean="0"/>
+              <a:t>more diversity than exists</a:t>
             </a:r>
           </a:p>
           <a:p>
@@ -7219,7 +7226,7 @@
           <p:cNvPr id="2" name="Date Placeholder 1">
             <a:extLst>
               <a:ext uri="{FF2B5EF4-FFF2-40B4-BE49-F238E27FC236}">
-                <a16:creationId xmlns="" xmlns:a16="http://schemas.microsoft.com/office/drawing/2014/main" id="{56290B99-FC41-0348-9FDE-3B2768B2A0FF}"/>
+                <a16:creationId xmlns:a16="http://schemas.microsoft.com/office/drawing/2014/main" xmlns="" id="{56290B99-FC41-0348-9FDE-3B2768B2A0FF}"/>
               </a:ext>
             </a:extLst>
           </p:cNvPr>
@@ -7238,7 +7245,7 @@
             <a:fld id="{BFDF100A-1439-47B5-93D9-212615D5B14A}" type="datetime4">
               <a:rPr lang="en-US" smtClean="0"/>
               <a:pPr/>
-              <a:t>July 17, 2019</a:t>
+              <a:t>July 20, 2019</a:t>
             </a:fld>
             <a:endParaRPr lang="en-US"/>
           </a:p>
@@ -7249,7 +7256,7 @@
           <p:cNvPr id="4" name="Slide Number Placeholder 3">
             <a:extLst>
               <a:ext uri="{FF2B5EF4-FFF2-40B4-BE49-F238E27FC236}">
-                <a16:creationId xmlns="" xmlns:a16="http://schemas.microsoft.com/office/drawing/2014/main" id="{60FED810-A014-1F4B-884E-59B412C84239}"/>
+                <a16:creationId xmlns:a16="http://schemas.microsoft.com/office/drawing/2014/main" xmlns="" id="{60FED810-A014-1F4B-884E-59B412C84239}"/>
               </a:ext>
             </a:extLst>
           </p:cNvPr>
@@ -7279,7 +7286,7 @@
           <p:cNvPr id="5" name="Title 4">
             <a:extLst>
               <a:ext uri="{FF2B5EF4-FFF2-40B4-BE49-F238E27FC236}">
-                <a16:creationId xmlns="" xmlns:a16="http://schemas.microsoft.com/office/drawing/2014/main" id="{E66546F3-F260-D04A-A939-6EC676C736BB}"/>
+                <a16:creationId xmlns:a16="http://schemas.microsoft.com/office/drawing/2014/main" xmlns="" id="{E66546F3-F260-D04A-A939-6EC676C736BB}"/>
               </a:ext>
             </a:extLst>
           </p:cNvPr>
@@ -7307,7 +7314,7 @@
           <p:cNvPr id="6" name="Subtitle 5">
             <a:extLst>
               <a:ext uri="{FF2B5EF4-FFF2-40B4-BE49-F238E27FC236}">
-                <a16:creationId xmlns="" xmlns:a16="http://schemas.microsoft.com/office/drawing/2014/main" id="{1FC532B0-E81A-8E43-B298-5D96D128742A}"/>
+                <a16:creationId xmlns:a16="http://schemas.microsoft.com/office/drawing/2014/main" xmlns="" id="{1FC532B0-E81A-8E43-B298-5D96D128742A}"/>
               </a:ext>
             </a:extLst>
           </p:cNvPr>
@@ -7326,13 +7333,10 @@
           <a:lstStyle/>
           <a:p>
             <a:r>
-              <a:rPr lang="en-US" dirty="0" err="1"/>
-              <a:t>Onyi</a:t>
-            </a:r>
-            <a:r>
-              <a:rPr lang="en-US" dirty="0"/>
-              <a:t> Lam</a:t>
-            </a:r>
+              <a:rPr lang="en-US" dirty="0" smtClean="0"/>
+              <a:t>Stefan Wojcik</a:t>
+            </a:r>
+            <a:endParaRPr lang="en-US" dirty="0"/>
           </a:p>
         </p:txBody>
       </p:sp>
@@ -7341,7 +7345,7 @@
           <p:cNvPr id="7" name="Text Placeholder 6">
             <a:extLst>
               <a:ext uri="{FF2B5EF4-FFF2-40B4-BE49-F238E27FC236}">
-                <a16:creationId xmlns="" xmlns:a16="http://schemas.microsoft.com/office/drawing/2014/main" id="{B7B54EB1-5B36-684F-A314-BD244AE3348B}"/>
+                <a16:creationId xmlns:a16="http://schemas.microsoft.com/office/drawing/2014/main" xmlns="" id="{B7B54EB1-5B36-684F-A314-BD244AE3348B}"/>
               </a:ext>
             </a:extLst>
           </p:cNvPr>
@@ -7371,7 +7375,7 @@
           <p:cNvPr id="8" name="Text Placeholder 7">
             <a:extLst>
               <a:ext uri="{FF2B5EF4-FFF2-40B4-BE49-F238E27FC236}">
-                <a16:creationId xmlns="" xmlns:a16="http://schemas.microsoft.com/office/drawing/2014/main" id="{B23EC2A1-471B-2849-B697-DBEA5DF4E787}"/>
+                <a16:creationId xmlns:a16="http://schemas.microsoft.com/office/drawing/2014/main" xmlns="" id="{B23EC2A1-471B-2849-B697-DBEA5DF4E787}"/>
               </a:ext>
             </a:extLst>
           </p:cNvPr>
@@ -7388,8 +7392,12 @@
           <a:lstStyle/>
           <a:p>
             <a:r>
-              <a:rPr lang="en-US" dirty="0" err="1"/>
-              <a:t>olam@pewresearch.org</a:t>
+              <a:rPr lang="en-US" dirty="0" err="1" smtClean="0"/>
+              <a:t>swojcik</a:t>
+            </a:r>
+            <a:r>
+              <a:rPr lang="en-US" dirty="0" err="1" smtClean="0"/>
+              <a:t>@pewresearch.org</a:t>
             </a:r>
             <a:endParaRPr lang="en-US" dirty="0"/>
           </a:p>
@@ -7400,7 +7408,7 @@
           <p:cNvPr id="9" name="Text Placeholder 8">
             <a:extLst>
               <a:ext uri="{FF2B5EF4-FFF2-40B4-BE49-F238E27FC236}">
-                <a16:creationId xmlns="" xmlns:a16="http://schemas.microsoft.com/office/drawing/2014/main" id="{A50CCEA8-9E66-EE42-B5BF-A884FE9F4BF4}"/>
+                <a16:creationId xmlns:a16="http://schemas.microsoft.com/office/drawing/2014/main" xmlns="" id="{A50CCEA8-9E66-EE42-B5BF-A884FE9F4BF4}"/>
               </a:ext>
             </a:extLst>
           </p:cNvPr>
@@ -7427,7 +7435,7 @@
           <p:cNvPr id="10" name="Text Placeholder 9">
             <a:extLst>
               <a:ext uri="{FF2B5EF4-FFF2-40B4-BE49-F238E27FC236}">
-                <a16:creationId xmlns="" xmlns:a16="http://schemas.microsoft.com/office/drawing/2014/main" id="{CDD8D1FB-9497-9442-93A6-9680F71A73E7}"/>
+                <a16:creationId xmlns:a16="http://schemas.microsoft.com/office/drawing/2014/main" xmlns="" id="{CDD8D1FB-9497-9442-93A6-9680F71A73E7}"/>
               </a:ext>
             </a:extLst>
           </p:cNvPr>
@@ -7452,7 +7460,7 @@
           <p:cNvPr id="11" name="Text Placeholder 10">
             <a:extLst>
               <a:ext uri="{FF2B5EF4-FFF2-40B4-BE49-F238E27FC236}">
-                <a16:creationId xmlns="" xmlns:a16="http://schemas.microsoft.com/office/drawing/2014/main" id="{7A4D16C7-4453-0848-94A8-72747079D421}"/>
+                <a16:creationId xmlns:a16="http://schemas.microsoft.com/office/drawing/2014/main" xmlns="" id="{7A4D16C7-4453-0848-94A8-72747079D421}"/>
               </a:ext>
             </a:extLst>
           </p:cNvPr>
@@ -7527,7 +7535,7 @@
             <a:fld id="{BFDF100A-1439-47B5-93D9-212615D5B14A}" type="datetime4">
               <a:rPr lang="en-US" smtClean="0"/>
               <a:pPr/>
-              <a:t>July 17, 2019</a:t>
+              <a:t>July 20, 2019</a:t>
             </a:fld>
             <a:endParaRPr lang="en-US"/>
           </a:p>
@@ -7769,7 +7777,7 @@
           <p:cNvPr id="2" name="Date Placeholder 1">
             <a:extLst>
               <a:ext uri="{FF2B5EF4-FFF2-40B4-BE49-F238E27FC236}">
-                <a16:creationId xmlns="" xmlns:a16="http://schemas.microsoft.com/office/drawing/2014/main" id="{5F3844B6-02AE-F445-A633-8065F1254A03}"/>
+                <a16:creationId xmlns:a16="http://schemas.microsoft.com/office/drawing/2014/main" xmlns="" id="{5F3844B6-02AE-F445-A633-8065F1254A03}"/>
               </a:ext>
             </a:extLst>
           </p:cNvPr>
@@ -7788,7 +7796,7 @@
             <a:fld id="{2F5814D8-D17E-403D-BB23-DF0CDA7DEB2B}" type="datetime4">
               <a:rPr lang="en-US" smtClean="0"/>
               <a:pPr/>
-              <a:t>July 17, 2019</a:t>
+              <a:t>July 20, 2019</a:t>
             </a:fld>
             <a:endParaRPr lang="en-US" dirty="0"/>
           </a:p>
@@ -7799,7 +7807,7 @@
           <p:cNvPr id="3" name="Slide Number Placeholder 2">
             <a:extLst>
               <a:ext uri="{FF2B5EF4-FFF2-40B4-BE49-F238E27FC236}">
-                <a16:creationId xmlns="" xmlns:a16="http://schemas.microsoft.com/office/drawing/2014/main" id="{482E9B81-5872-514A-8548-5F7651D19035}"/>
+                <a16:creationId xmlns:a16="http://schemas.microsoft.com/office/drawing/2014/main" xmlns="" id="{482E9B81-5872-514A-8548-5F7651D19035}"/>
               </a:ext>
             </a:extLst>
           </p:cNvPr>
@@ -7829,7 +7837,7 @@
           <p:cNvPr id="4" name="Title 3">
             <a:extLst>
               <a:ext uri="{FF2B5EF4-FFF2-40B4-BE49-F238E27FC236}">
-                <a16:creationId xmlns="" xmlns:a16="http://schemas.microsoft.com/office/drawing/2014/main" id="{633AB0BB-D52C-2A44-B219-F3EC2136EECA}"/>
+                <a16:creationId xmlns:a16="http://schemas.microsoft.com/office/drawing/2014/main" xmlns="" id="{633AB0BB-D52C-2A44-B219-F3EC2136EECA}"/>
               </a:ext>
             </a:extLst>
           </p:cNvPr>
@@ -7857,7 +7865,7 @@
           <p:cNvPr id="6" name="Text Placeholder 4">
             <a:extLst>
               <a:ext uri="{FF2B5EF4-FFF2-40B4-BE49-F238E27FC236}">
-                <a16:creationId xmlns="" xmlns:a16="http://schemas.microsoft.com/office/drawing/2014/main" id="{6F5FE03C-18C0-CC4C-AD4B-7BE4079CB40E}"/>
+                <a16:creationId xmlns:a16="http://schemas.microsoft.com/office/drawing/2014/main" xmlns="" id="{6F5FE03C-18C0-CC4C-AD4B-7BE4079CB40E}"/>
               </a:ext>
             </a:extLst>
           </p:cNvPr>
@@ -7991,7 +7999,7 @@
           <p:cNvPr id="2" name="Date Placeholder 1">
             <a:extLst>
               <a:ext uri="{FF2B5EF4-FFF2-40B4-BE49-F238E27FC236}">
-                <a16:creationId xmlns="" xmlns:a16="http://schemas.microsoft.com/office/drawing/2014/main" id="{BEF0815C-7B5F-0141-8705-AFEC20F11387}"/>
+                <a16:creationId xmlns:a16="http://schemas.microsoft.com/office/drawing/2014/main" xmlns="" id="{BEF0815C-7B5F-0141-8705-AFEC20F11387}"/>
               </a:ext>
             </a:extLst>
           </p:cNvPr>
@@ -8010,7 +8018,7 @@
             <a:fld id="{2F5814D8-D17E-403D-BB23-DF0CDA7DEB2B}" type="datetime4">
               <a:rPr lang="en-US" smtClean="0"/>
               <a:pPr/>
-              <a:t>July 17, 2019</a:t>
+              <a:t>July 20, 2019</a:t>
             </a:fld>
             <a:endParaRPr lang="en-US" dirty="0"/>
           </a:p>
@@ -8021,7 +8029,7 @@
           <p:cNvPr id="3" name="Slide Number Placeholder 2">
             <a:extLst>
               <a:ext uri="{FF2B5EF4-FFF2-40B4-BE49-F238E27FC236}">
-                <a16:creationId xmlns="" xmlns:a16="http://schemas.microsoft.com/office/drawing/2014/main" id="{FE141B5C-6CA4-DE46-B9CC-6BD01027EB24}"/>
+                <a16:creationId xmlns:a16="http://schemas.microsoft.com/office/drawing/2014/main" xmlns="" id="{FE141B5C-6CA4-DE46-B9CC-6BD01027EB24}"/>
               </a:ext>
             </a:extLst>
           </p:cNvPr>
@@ -8051,7 +8059,7 @@
           <p:cNvPr id="4" name="Title 3">
             <a:extLst>
               <a:ext uri="{FF2B5EF4-FFF2-40B4-BE49-F238E27FC236}">
-                <a16:creationId xmlns="" xmlns:a16="http://schemas.microsoft.com/office/drawing/2014/main" id="{10875390-64F4-1C47-8B33-C9EEFB4EFB2F}"/>
+                <a16:creationId xmlns:a16="http://schemas.microsoft.com/office/drawing/2014/main" xmlns="" id="{10875390-64F4-1C47-8B33-C9EEFB4EFB2F}"/>
               </a:ext>
             </a:extLst>
           </p:cNvPr>
@@ -8088,7 +8096,7 @@
           <p:cNvPr id="5" name="Text Placeholder 4">
             <a:extLst>
               <a:ext uri="{FF2B5EF4-FFF2-40B4-BE49-F238E27FC236}">
-                <a16:creationId xmlns="" xmlns:a16="http://schemas.microsoft.com/office/drawing/2014/main" id="{75B1ACB0-F2EB-4540-B901-9A735E687253}"/>
+                <a16:creationId xmlns:a16="http://schemas.microsoft.com/office/drawing/2014/main" xmlns="" id="{75B1ACB0-F2EB-4540-B901-9A735E687253}"/>
               </a:ext>
             </a:extLst>
           </p:cNvPr>
@@ -8186,7 +8194,7 @@
           <p:cNvPr id="2" name="Date Placeholder 1">
             <a:extLst>
               <a:ext uri="{FF2B5EF4-FFF2-40B4-BE49-F238E27FC236}">
-                <a16:creationId xmlns="" xmlns:a16="http://schemas.microsoft.com/office/drawing/2014/main" id="{63977DC8-CBCC-C54E-8880-782496FA42DA}"/>
+                <a16:creationId xmlns:a16="http://schemas.microsoft.com/office/drawing/2014/main" xmlns="" id="{63977DC8-CBCC-C54E-8880-782496FA42DA}"/>
               </a:ext>
             </a:extLst>
           </p:cNvPr>
@@ -8205,7 +8213,7 @@
             <a:fld id="{2F5814D8-D17E-403D-BB23-DF0CDA7DEB2B}" type="datetime4">
               <a:rPr lang="en-US" smtClean="0"/>
               <a:pPr/>
-              <a:t>July 17, 2019</a:t>
+              <a:t>July 20, 2019</a:t>
             </a:fld>
             <a:endParaRPr lang="en-US" dirty="0"/>
           </a:p>
@@ -8216,7 +8224,7 @@
           <p:cNvPr id="3" name="Slide Number Placeholder 2">
             <a:extLst>
               <a:ext uri="{FF2B5EF4-FFF2-40B4-BE49-F238E27FC236}">
-                <a16:creationId xmlns="" xmlns:a16="http://schemas.microsoft.com/office/drawing/2014/main" id="{AF12EEC3-F8BA-764E-A19C-9ABD94F01895}"/>
+                <a16:creationId xmlns:a16="http://schemas.microsoft.com/office/drawing/2014/main" xmlns="" id="{AF12EEC3-F8BA-764E-A19C-9ABD94F01895}"/>
               </a:ext>
             </a:extLst>
           </p:cNvPr>
@@ -8246,7 +8254,7 @@
           <p:cNvPr id="4" name="Title 3">
             <a:extLst>
               <a:ext uri="{FF2B5EF4-FFF2-40B4-BE49-F238E27FC236}">
-                <a16:creationId xmlns="" xmlns:a16="http://schemas.microsoft.com/office/drawing/2014/main" id="{F9D757BA-912D-BB4A-88D5-5BB35094F04A}"/>
+                <a16:creationId xmlns:a16="http://schemas.microsoft.com/office/drawing/2014/main" xmlns="" id="{F9D757BA-912D-BB4A-88D5-5BB35094F04A}"/>
               </a:ext>
             </a:extLst>
           </p:cNvPr>
@@ -8274,7 +8282,7 @@
           <p:cNvPr id="5" name="Text Placeholder 4">
             <a:extLst>
               <a:ext uri="{FF2B5EF4-FFF2-40B4-BE49-F238E27FC236}">
-                <a16:creationId xmlns="" xmlns:a16="http://schemas.microsoft.com/office/drawing/2014/main" id="{ACF2FEE9-7A20-E942-B4FD-C2916FC750F9}"/>
+                <a16:creationId xmlns:a16="http://schemas.microsoft.com/office/drawing/2014/main" xmlns="" id="{ACF2FEE9-7A20-E942-B4FD-C2916FC750F9}"/>
               </a:ext>
             </a:extLst>
           </p:cNvPr>
@@ -8441,7 +8449,7 @@
           <p:cNvPr id="2" name="Date Placeholder 1">
             <a:extLst>
               <a:ext uri="{FF2B5EF4-FFF2-40B4-BE49-F238E27FC236}">
-                <a16:creationId xmlns="" xmlns:a16="http://schemas.microsoft.com/office/drawing/2014/main" id="{76EDA835-6BED-7947-802C-DF3871C6F18E}"/>
+                <a16:creationId xmlns:a16="http://schemas.microsoft.com/office/drawing/2014/main" xmlns="" id="{76EDA835-6BED-7947-802C-DF3871C6F18E}"/>
               </a:ext>
             </a:extLst>
           </p:cNvPr>
@@ -8460,7 +8468,7 @@
             <a:fld id="{2F5814D8-D17E-403D-BB23-DF0CDA7DEB2B}" type="datetime4">
               <a:rPr lang="en-US" smtClean="0"/>
               <a:pPr/>
-              <a:t>July 17, 2019</a:t>
+              <a:t>July 20, 2019</a:t>
             </a:fld>
             <a:endParaRPr lang="en-US" dirty="0"/>
           </a:p>
@@ -8471,7 +8479,7 @@
           <p:cNvPr id="3" name="Slide Number Placeholder 2">
             <a:extLst>
               <a:ext uri="{FF2B5EF4-FFF2-40B4-BE49-F238E27FC236}">
-                <a16:creationId xmlns="" xmlns:a16="http://schemas.microsoft.com/office/drawing/2014/main" id="{D0EA5766-D66C-8445-9632-CF3E5BF03872}"/>
+                <a16:creationId xmlns:a16="http://schemas.microsoft.com/office/drawing/2014/main" xmlns="" id="{D0EA5766-D66C-8445-9632-CF3E5BF03872}"/>
               </a:ext>
             </a:extLst>
           </p:cNvPr>
@@ -8501,7 +8509,7 @@
           <p:cNvPr id="4" name="Title 3">
             <a:extLst>
               <a:ext uri="{FF2B5EF4-FFF2-40B4-BE49-F238E27FC236}">
-                <a16:creationId xmlns="" xmlns:a16="http://schemas.microsoft.com/office/drawing/2014/main" id="{C80B60AB-CB05-0343-A664-EA0EFA51DE93}"/>
+                <a16:creationId xmlns:a16="http://schemas.microsoft.com/office/drawing/2014/main" xmlns="" id="{C80B60AB-CB05-0343-A664-EA0EFA51DE93}"/>
               </a:ext>
             </a:extLst>
           </p:cNvPr>
@@ -8531,7 +8539,7 @@
           <p:cNvPr id="5" name="Text Placeholder 4">
             <a:extLst>
               <a:ext uri="{FF2B5EF4-FFF2-40B4-BE49-F238E27FC236}">
-                <a16:creationId xmlns="" xmlns:a16="http://schemas.microsoft.com/office/drawing/2014/main" id="{12452B50-0BAB-AE40-9C35-E04260EDCE6F}"/>
+                <a16:creationId xmlns:a16="http://schemas.microsoft.com/office/drawing/2014/main" xmlns="" id="{12452B50-0BAB-AE40-9C35-E04260EDCE6F}"/>
               </a:ext>
             </a:extLst>
           </p:cNvPr>
@@ -8637,7 +8645,7 @@
           <p:cNvPr id="2" name="Date Placeholder 1">
             <a:extLst>
               <a:ext uri="{FF2B5EF4-FFF2-40B4-BE49-F238E27FC236}">
-                <a16:creationId xmlns="" xmlns:a16="http://schemas.microsoft.com/office/drawing/2014/main" id="{D98CCE77-A74D-A742-A846-DFB65E97B694}"/>
+                <a16:creationId xmlns:a16="http://schemas.microsoft.com/office/drawing/2014/main" xmlns="" id="{D98CCE77-A74D-A742-A846-DFB65E97B694}"/>
               </a:ext>
             </a:extLst>
           </p:cNvPr>
@@ -8656,7 +8664,7 @@
             <a:fld id="{2F5814D8-D17E-403D-BB23-DF0CDA7DEB2B}" type="datetime4">
               <a:rPr lang="en-US" smtClean="0"/>
               <a:pPr/>
-              <a:t>July 17, 2019</a:t>
+              <a:t>July 20, 2019</a:t>
             </a:fld>
             <a:endParaRPr lang="en-US" dirty="0"/>
           </a:p>
@@ -8667,7 +8675,7 @@
           <p:cNvPr id="3" name="Slide Number Placeholder 2">
             <a:extLst>
               <a:ext uri="{FF2B5EF4-FFF2-40B4-BE49-F238E27FC236}">
-                <a16:creationId xmlns="" xmlns:a16="http://schemas.microsoft.com/office/drawing/2014/main" id="{539D2DFE-986C-F448-80CC-9C48BCC94531}"/>
+                <a16:creationId xmlns:a16="http://schemas.microsoft.com/office/drawing/2014/main" xmlns="" id="{539D2DFE-986C-F448-80CC-9C48BCC94531}"/>
               </a:ext>
             </a:extLst>
           </p:cNvPr>
@@ -8697,7 +8705,7 @@
           <p:cNvPr id="4" name="Title 3">
             <a:extLst>
               <a:ext uri="{FF2B5EF4-FFF2-40B4-BE49-F238E27FC236}">
-                <a16:creationId xmlns="" xmlns:a16="http://schemas.microsoft.com/office/drawing/2014/main" id="{D4144D40-9F4B-F54C-AE23-3A0709A603A4}"/>
+                <a16:creationId xmlns:a16="http://schemas.microsoft.com/office/drawing/2014/main" xmlns="" id="{D4144D40-9F4B-F54C-AE23-3A0709A603A4}"/>
               </a:ext>
             </a:extLst>
           </p:cNvPr>
@@ -8727,7 +8735,7 @@
           <p:cNvPr id="5" name="Text Placeholder 4">
             <a:extLst>
               <a:ext uri="{FF2B5EF4-FFF2-40B4-BE49-F238E27FC236}">
-                <a16:creationId xmlns="" xmlns:a16="http://schemas.microsoft.com/office/drawing/2014/main" id="{5E7C8A5A-143C-8E41-A237-72F995CE4F27}"/>
+                <a16:creationId xmlns:a16="http://schemas.microsoft.com/office/drawing/2014/main" xmlns="" id="{5E7C8A5A-143C-8E41-A237-72F995CE4F27}"/>
               </a:ext>
             </a:extLst>
           </p:cNvPr>
@@ -9007,7 +9015,7 @@
           <p:cNvPr id="2" name="Date Placeholder 1">
             <a:extLst>
               <a:ext uri="{FF2B5EF4-FFF2-40B4-BE49-F238E27FC236}">
-                <a16:creationId xmlns="" xmlns:a16="http://schemas.microsoft.com/office/drawing/2014/main" id="{F8FE1C3C-0B84-554B-8863-18D89DD3EAD4}"/>
+                <a16:creationId xmlns:a16="http://schemas.microsoft.com/office/drawing/2014/main" xmlns="" id="{5D7BEF5A-A6B4-7647-9E3C-260562DE81CA}"/>
               </a:ext>
             </a:extLst>
           </p:cNvPr>
@@ -9026,7 +9034,7 @@
             <a:fld id="{2F5814D8-D17E-403D-BB23-DF0CDA7DEB2B}" type="datetime4">
               <a:rPr lang="en-US" smtClean="0"/>
               <a:pPr/>
-              <a:t>July 17, 2019</a:t>
+              <a:t>July 20, 2019</a:t>
             </a:fld>
             <a:endParaRPr lang="en-US" dirty="0"/>
           </a:p>
@@ -9037,7 +9045,7 @@
           <p:cNvPr id="3" name="Slide Number Placeholder 2">
             <a:extLst>
               <a:ext uri="{FF2B5EF4-FFF2-40B4-BE49-F238E27FC236}">
-                <a16:creationId xmlns="" xmlns:a16="http://schemas.microsoft.com/office/drawing/2014/main" id="{B8860DED-7581-7543-AD2D-470CE85BC629}"/>
+                <a16:creationId xmlns:a16="http://schemas.microsoft.com/office/drawing/2014/main" xmlns="" id="{A4E44FA0-8A0E-5F4C-B6BF-C43F67B2614D}"/>
               </a:ext>
             </a:extLst>
           </p:cNvPr>
@@ -9067,7 +9075,7 @@
           <p:cNvPr id="4" name="Title 3">
             <a:extLst>
               <a:ext uri="{FF2B5EF4-FFF2-40B4-BE49-F238E27FC236}">
-                <a16:creationId xmlns="" xmlns:a16="http://schemas.microsoft.com/office/drawing/2014/main" id="{D699FC79-2AFD-3740-9D5B-1B0E32D6DE0C}"/>
+                <a16:creationId xmlns:a16="http://schemas.microsoft.com/office/drawing/2014/main" xmlns="" id="{05529F5C-A51A-6D41-ACA4-502D70085709}"/>
               </a:ext>
             </a:extLst>
           </p:cNvPr>
@@ -9087,7 +9095,7 @@
           <a:p>
             <a:r>
               <a:rPr lang="en-US" dirty="0"/>
-              <a:t>What is Transfer Learning?</a:t>
+              <a:t>Methodology: Data Pipeline</a:t>
             </a:r>
           </a:p>
         </p:txBody>
@@ -9097,7 +9105,7 @@
           <p:cNvPr id="5" name="Text Placeholder 4">
             <a:extLst>
               <a:ext uri="{FF2B5EF4-FFF2-40B4-BE49-F238E27FC236}">
-                <a16:creationId xmlns="" xmlns:a16="http://schemas.microsoft.com/office/drawing/2014/main" id="{7E028AA6-01DD-AE4D-BD02-AD316F13E143}"/>
+                <a16:creationId xmlns:a16="http://schemas.microsoft.com/office/drawing/2014/main" xmlns="" id="{54B191B8-3A55-2B4B-997F-F4A26E39113E}"/>
               </a:ext>
             </a:extLst>
           </p:cNvPr>
@@ -9119,8 +9127,21 @@
             </a:pPr>
             <a:r>
               <a:rPr lang="en-US" dirty="0"/>
-              <a:t>Neural Network has many layers </a:t>
-            </a:r>
+              <a:t>Image </a:t>
+            </a:r>
+            <a:r>
+              <a:rPr lang="en-US" dirty="0" smtClean="0"/>
+              <a:t>Collection: </a:t>
+            </a:r>
+            <a:r>
+              <a:rPr lang="en-US" b="1" dirty="0" smtClean="0"/>
+              <a:t>saved </a:t>
+            </a:r>
+            <a:r>
+              <a:rPr lang="en-US" b="1" dirty="0"/>
+              <a:t>and indexed top 100 images, and saved them in a database hosted on AWS </a:t>
+            </a:r>
+            <a:endParaRPr lang="en-US" dirty="0"/>
           </a:p>
           <a:p>
             <a:pPr>
@@ -9129,7 +9150,7 @@
             </a:pPr>
             <a:r>
               <a:rPr lang="en-US" dirty="0"/>
-              <a:t>Some neurons react to simple stimuli, others to complex stimuli </a:t>
+              <a:t>Face Detection</a:t>
             </a:r>
           </a:p>
           <a:p>
@@ -9139,29 +9160,7 @@
             </a:pPr>
             <a:r>
               <a:rPr lang="en-US" dirty="0"/>
-              <a:t>Lower layers </a:t>
-            </a:r>
-            <a:r>
-              <a:rPr lang="en-US"/>
-              <a:t>of </a:t>
-            </a:r>
-            <a:r>
-              <a:rPr lang="en-US" smtClean="0"/>
-              <a:t>pre-trained </a:t>
-            </a:r>
-            <a:r>
-              <a:rPr lang="en-US" dirty="0"/>
-              <a:t>models often have useful features </a:t>
-            </a:r>
-          </a:p>
-          <a:p>
-            <a:pPr>
-              <a:buFont typeface="Arial" panose="020B0604020202020204" pitchFamily="34" charset="0"/>
-              <a:buChar char="•"/>
-            </a:pPr>
-            <a:r>
-              <a:rPr lang="en-US" dirty="0"/>
-              <a:t>Reusing them saves a lot of computation time </a:t>
+              <a:t>Gender Classification </a:t>
             </a:r>
           </a:p>
           <a:p>
@@ -9171,479 +9170,6 @@
             </a:pPr>
             <a:endParaRPr lang="en-US" dirty="0"/>
           </a:p>
-        </p:txBody>
-      </p:sp>
-    </p:spTree>
-    <p:extLst>
-      <p:ext uri="{BB962C8B-B14F-4D97-AF65-F5344CB8AC3E}">
-        <p14:creationId xmlns:p14="http://schemas.microsoft.com/office/powerpoint/2010/main" val="3933929866"/>
-      </p:ext>
-    </p:extLst>
-  </p:cSld>
-  <p:clrMapOvr>
-    <a:masterClrMapping/>
-  </p:clrMapOvr>
-  <p:timing>
-    <p:tnLst>
-      <p:par>
-        <p:cTn id="1" dur="indefinite" restart="never" nodeType="tmRoot"/>
-      </p:par>
-    </p:tnLst>
-  </p:timing>
-</p:sld>
-</file>
-
-<file path=ppt/slides/slide8.xml><?xml version="1.0" encoding="utf-8"?>
-<p:sld xmlns:a="http://schemas.openxmlformats.org/drawingml/2006/main" xmlns:r="http://schemas.openxmlformats.org/officeDocument/2006/relationships" xmlns:p="http://schemas.openxmlformats.org/presentationml/2006/main">
-  <p:cSld>
-    <p:spTree>
-      <p:nvGrpSpPr>
-        <p:cNvPr id="1" name=""/>
-        <p:cNvGrpSpPr/>
-        <p:nvPr/>
-      </p:nvGrpSpPr>
-      <p:grpSpPr>
-        <a:xfrm>
-          <a:off x="0" y="0"/>
-          <a:ext cx="0" cy="0"/>
-          <a:chOff x="0" y="0"/>
-          <a:chExt cx="0" cy="0"/>
-        </a:xfrm>
-      </p:grpSpPr>
-      <p:sp>
-        <p:nvSpPr>
-          <p:cNvPr id="2" name="Date Placeholder 1">
-            <a:extLst>
-              <a:ext uri="{FF2B5EF4-FFF2-40B4-BE49-F238E27FC236}">
-                <a16:creationId xmlns="" xmlns:a16="http://schemas.microsoft.com/office/drawing/2014/main" id="{97F78418-A86F-6948-A93F-084D53867D5B}"/>
-              </a:ext>
-            </a:extLst>
-          </p:cNvPr>
-          <p:cNvSpPr>
-            <a:spLocks noGrp="1"/>
-          </p:cNvSpPr>
-          <p:nvPr>
-            <p:ph type="dt" sz="half" idx="10"/>
-          </p:nvPr>
-        </p:nvSpPr>
-        <p:spPr/>
-        <p:txBody>
-          <a:bodyPr/>
-          <a:lstStyle/>
-          <a:p>
-            <a:fld id="{2F5814D8-D17E-403D-BB23-DF0CDA7DEB2B}" type="datetime4">
-              <a:rPr lang="en-US" smtClean="0"/>
-              <a:pPr/>
-              <a:t>July 17, 2019</a:t>
-            </a:fld>
-            <a:endParaRPr lang="en-US" dirty="0"/>
-          </a:p>
-        </p:txBody>
-      </p:sp>
-      <p:sp>
-        <p:nvSpPr>
-          <p:cNvPr id="3" name="Slide Number Placeholder 2">
-            <a:extLst>
-              <a:ext uri="{FF2B5EF4-FFF2-40B4-BE49-F238E27FC236}">
-                <a16:creationId xmlns="" xmlns:a16="http://schemas.microsoft.com/office/drawing/2014/main" id="{E407CBD4-B5EF-AF4C-9040-8043455B5F0B}"/>
-              </a:ext>
-            </a:extLst>
-          </p:cNvPr>
-          <p:cNvSpPr>
-            <a:spLocks noGrp="1"/>
-          </p:cNvSpPr>
-          <p:nvPr>
-            <p:ph type="sldNum" sz="quarter" idx="11"/>
-          </p:nvPr>
-        </p:nvSpPr>
-        <p:spPr/>
-        <p:txBody>
-          <a:bodyPr/>
-          <a:lstStyle/>
-          <a:p>
-            <a:fld id="{E2B37319-2E82-4D56-ADBC-557F98406E39}" type="slidenum">
-              <a:rPr lang="en-US" smtClean="0"/>
-              <a:pPr/>
-              <a:t>8</a:t>
-            </a:fld>
-            <a:endParaRPr lang="en-US"/>
-          </a:p>
-        </p:txBody>
-      </p:sp>
-      <p:sp>
-        <p:nvSpPr>
-          <p:cNvPr id="4" name="Title 3">
-            <a:extLst>
-              <a:ext uri="{FF2B5EF4-FFF2-40B4-BE49-F238E27FC236}">
-                <a16:creationId xmlns="" xmlns:a16="http://schemas.microsoft.com/office/drawing/2014/main" id="{52DF8B58-2998-D04C-8E46-9B8123866F94}"/>
-              </a:ext>
-            </a:extLst>
-          </p:cNvPr>
-          <p:cNvSpPr>
-            <a:spLocks noGrp="1"/>
-          </p:cNvSpPr>
-          <p:nvPr>
-            <p:ph type="title"/>
-          </p:nvPr>
-        </p:nvSpPr>
-        <p:spPr/>
-        <p:txBody>
-          <a:bodyPr>
-            <a:normAutofit/>
-          </a:bodyPr>
-          <a:lstStyle/>
-          <a:p>
-            <a:r>
-              <a:rPr lang="en-US" dirty="0"/>
-              <a:t>Fine Tuning a </a:t>
-            </a:r>
-            <a:r>
-              <a:rPr lang="en-US" dirty="0" err="1"/>
-              <a:t>pretrained</a:t>
-            </a:r>
-            <a:r>
-              <a:rPr lang="en-US" dirty="0"/>
-              <a:t> Neural Network Model</a:t>
-            </a:r>
-          </a:p>
-        </p:txBody>
-      </p:sp>
-      <p:sp>
-        <p:nvSpPr>
-          <p:cNvPr id="5" name="Text Placeholder 4">
-            <a:extLst>
-              <a:ext uri="{FF2B5EF4-FFF2-40B4-BE49-F238E27FC236}">
-                <a16:creationId xmlns="" xmlns:a16="http://schemas.microsoft.com/office/drawing/2014/main" id="{6F69DCCE-CFEF-5C4F-BA45-CEF0861F2D11}"/>
-              </a:ext>
-            </a:extLst>
-          </p:cNvPr>
-          <p:cNvSpPr>
-            <a:spLocks noGrp="1"/>
-          </p:cNvSpPr>
-          <p:nvPr>
-            <p:ph type="body" sz="quarter" idx="13"/>
-          </p:nvPr>
-        </p:nvSpPr>
-        <p:spPr/>
-        <p:txBody>
-          <a:bodyPr/>
-          <a:lstStyle/>
-          <a:p>
-            <a:pPr>
-              <a:buFont typeface="Arial" panose="020B0604020202020204" pitchFamily="34" charset="0"/>
-              <a:buChar char="•"/>
-            </a:pPr>
-            <a:r>
-              <a:rPr lang="en-US" dirty="0"/>
-              <a:t>Pre-trained VGG16</a:t>
-            </a:r>
-          </a:p>
-          <a:p>
-            <a:pPr>
-              <a:buFont typeface="Arial" panose="020B0604020202020204" pitchFamily="34" charset="0"/>
-              <a:buChar char="•"/>
-            </a:pPr>
-            <a:endParaRPr lang="en-US" dirty="0"/>
-          </a:p>
-          <a:p>
-            <a:pPr>
-              <a:buFont typeface="Arial" panose="020B0604020202020204" pitchFamily="34" charset="0"/>
-              <a:buChar char="•"/>
-            </a:pPr>
-            <a:endParaRPr lang="en-US" dirty="0"/>
-          </a:p>
-          <a:p>
-            <a:pPr>
-              <a:buFont typeface="Arial" panose="020B0604020202020204" pitchFamily="34" charset="0"/>
-              <a:buChar char="•"/>
-            </a:pPr>
-            <a:endParaRPr lang="en-US" dirty="0"/>
-          </a:p>
-          <a:p>
-            <a:pPr marL="0" indent="0"/>
-            <a:endParaRPr lang="en-US" dirty="0"/>
-          </a:p>
-          <a:p>
-            <a:pPr>
-              <a:buFont typeface="Arial" panose="020B0604020202020204" pitchFamily="34" charset="0"/>
-              <a:buChar char="•"/>
-            </a:pPr>
-            <a:r>
-              <a:rPr lang="en-US" dirty="0"/>
-              <a:t>freeze the VGG base, add custom layers, and unfreeze the top layers to retrain </a:t>
-            </a:r>
-          </a:p>
-        </p:txBody>
-      </p:sp>
-      <p:pic>
-        <p:nvPicPr>
-          <p:cNvPr id="17" name="Picture 16">
-            <a:extLst>
-              <a:ext uri="{FF2B5EF4-FFF2-40B4-BE49-F238E27FC236}">
-                <a16:creationId xmlns="" xmlns:a16="http://schemas.microsoft.com/office/drawing/2014/main" id="{C477BDF6-9605-2141-AAF6-12964C4175EC}"/>
-              </a:ext>
-            </a:extLst>
-          </p:cNvPr>
-          <p:cNvPicPr>
-            <a:picLocks noChangeAspect="1"/>
-          </p:cNvPicPr>
-          <p:nvPr/>
-        </p:nvPicPr>
-        <p:blipFill>
-          <a:blip r:embed="rId2">
-            <a:extLst>
-              <a:ext uri="{28A0092B-C50C-407E-A947-70E740481C1C}">
-                <a14:useLocalDpi xmlns:a14="http://schemas.microsoft.com/office/drawing/2010/main" val="0"/>
-              </a:ext>
-            </a:extLst>
-          </a:blip>
-          <a:stretch>
-            <a:fillRect/>
-          </a:stretch>
-        </p:blipFill>
-        <p:spPr>
-          <a:xfrm>
-            <a:off x="1047750" y="1352550"/>
-            <a:ext cx="3524250" cy="1312956"/>
-          </a:xfrm>
-          <a:prstGeom prst="rect">
-            <a:avLst/>
-          </a:prstGeom>
-        </p:spPr>
-      </p:pic>
-      <p:pic>
-        <p:nvPicPr>
-          <p:cNvPr id="19" name="Picture 18">
-            <a:extLst>
-              <a:ext uri="{FF2B5EF4-FFF2-40B4-BE49-F238E27FC236}">
-                <a16:creationId xmlns="" xmlns:a16="http://schemas.microsoft.com/office/drawing/2014/main" id="{8CC84891-640C-E44C-A32C-0AA63C4EA762}"/>
-              </a:ext>
-            </a:extLst>
-          </p:cNvPr>
-          <p:cNvPicPr>
-            <a:picLocks noChangeAspect="1"/>
-          </p:cNvPicPr>
-          <p:nvPr/>
-        </p:nvPicPr>
-        <p:blipFill>
-          <a:blip r:embed="rId3">
-            <a:extLst>
-              <a:ext uri="{28A0092B-C50C-407E-A947-70E740481C1C}">
-                <a14:useLocalDpi xmlns:a14="http://schemas.microsoft.com/office/drawing/2010/main" val="0"/>
-              </a:ext>
-            </a:extLst>
-          </a:blip>
-          <a:stretch>
-            <a:fillRect/>
-          </a:stretch>
-        </p:blipFill>
-        <p:spPr>
-          <a:xfrm>
-            <a:off x="1066800" y="3002802"/>
-            <a:ext cx="3429000" cy="1889847"/>
-          </a:xfrm>
-          <a:prstGeom prst="rect">
-            <a:avLst/>
-          </a:prstGeom>
-        </p:spPr>
-      </p:pic>
-    </p:spTree>
-    <p:extLst>
-      <p:ext uri="{BB962C8B-B14F-4D97-AF65-F5344CB8AC3E}">
-        <p14:creationId xmlns:p14="http://schemas.microsoft.com/office/powerpoint/2010/main" val="4146233270"/>
-      </p:ext>
-    </p:extLst>
-  </p:cSld>
-  <p:clrMapOvr>
-    <a:masterClrMapping/>
-  </p:clrMapOvr>
-  <p:timing>
-    <p:tnLst>
-      <p:par>
-        <p:cTn id="1" dur="indefinite" restart="never" nodeType="tmRoot"/>
-      </p:par>
-    </p:tnLst>
-  </p:timing>
-</p:sld>
-</file>
-
-<file path=ppt/slides/slide9.xml><?xml version="1.0" encoding="utf-8"?>
-<p:sld xmlns:a="http://schemas.openxmlformats.org/drawingml/2006/main" xmlns:r="http://schemas.openxmlformats.org/officeDocument/2006/relationships" xmlns:p="http://schemas.openxmlformats.org/presentationml/2006/main">
-  <p:cSld>
-    <p:spTree>
-      <p:nvGrpSpPr>
-        <p:cNvPr id="1" name=""/>
-        <p:cNvGrpSpPr/>
-        <p:nvPr/>
-      </p:nvGrpSpPr>
-      <p:grpSpPr>
-        <a:xfrm>
-          <a:off x="0" y="0"/>
-          <a:ext cx="0" cy="0"/>
-          <a:chOff x="0" y="0"/>
-          <a:chExt cx="0" cy="0"/>
-        </a:xfrm>
-      </p:grpSpPr>
-      <p:sp>
-        <p:nvSpPr>
-          <p:cNvPr id="2" name="Date Placeholder 1">
-            <a:extLst>
-              <a:ext uri="{FF2B5EF4-FFF2-40B4-BE49-F238E27FC236}">
-                <a16:creationId xmlns="" xmlns:a16="http://schemas.microsoft.com/office/drawing/2014/main" id="{5D7BEF5A-A6B4-7647-9E3C-260562DE81CA}"/>
-              </a:ext>
-            </a:extLst>
-          </p:cNvPr>
-          <p:cNvSpPr>
-            <a:spLocks noGrp="1"/>
-          </p:cNvSpPr>
-          <p:nvPr>
-            <p:ph type="dt" sz="half" idx="10"/>
-          </p:nvPr>
-        </p:nvSpPr>
-        <p:spPr/>
-        <p:txBody>
-          <a:bodyPr/>
-          <a:lstStyle/>
-          <a:p>
-            <a:fld id="{2F5814D8-D17E-403D-BB23-DF0CDA7DEB2B}" type="datetime4">
-              <a:rPr lang="en-US" smtClean="0"/>
-              <a:pPr/>
-              <a:t>July 17, 2019</a:t>
-            </a:fld>
-            <a:endParaRPr lang="en-US" dirty="0"/>
-          </a:p>
-        </p:txBody>
-      </p:sp>
-      <p:sp>
-        <p:nvSpPr>
-          <p:cNvPr id="3" name="Slide Number Placeholder 2">
-            <a:extLst>
-              <a:ext uri="{FF2B5EF4-FFF2-40B4-BE49-F238E27FC236}">
-                <a16:creationId xmlns="" xmlns:a16="http://schemas.microsoft.com/office/drawing/2014/main" id="{A4E44FA0-8A0E-5F4C-B6BF-C43F67B2614D}"/>
-              </a:ext>
-            </a:extLst>
-          </p:cNvPr>
-          <p:cNvSpPr>
-            <a:spLocks noGrp="1"/>
-          </p:cNvSpPr>
-          <p:nvPr>
-            <p:ph type="sldNum" sz="quarter" idx="11"/>
-          </p:nvPr>
-        </p:nvSpPr>
-        <p:spPr/>
-        <p:txBody>
-          <a:bodyPr/>
-          <a:lstStyle/>
-          <a:p>
-            <a:fld id="{E2B37319-2E82-4D56-ADBC-557F98406E39}" type="slidenum">
-              <a:rPr lang="en-US" smtClean="0"/>
-              <a:pPr/>
-              <a:t>9</a:t>
-            </a:fld>
-            <a:endParaRPr lang="en-US"/>
-          </a:p>
-        </p:txBody>
-      </p:sp>
-      <p:sp>
-        <p:nvSpPr>
-          <p:cNvPr id="4" name="Title 3">
-            <a:extLst>
-              <a:ext uri="{FF2B5EF4-FFF2-40B4-BE49-F238E27FC236}">
-                <a16:creationId xmlns="" xmlns:a16="http://schemas.microsoft.com/office/drawing/2014/main" id="{05529F5C-A51A-6D41-ACA4-502D70085709}"/>
-              </a:ext>
-            </a:extLst>
-          </p:cNvPr>
-          <p:cNvSpPr>
-            <a:spLocks noGrp="1"/>
-          </p:cNvSpPr>
-          <p:nvPr>
-            <p:ph type="title"/>
-          </p:nvPr>
-        </p:nvSpPr>
-        <p:spPr/>
-        <p:txBody>
-          <a:bodyPr>
-            <a:normAutofit/>
-          </a:bodyPr>
-          <a:lstStyle/>
-          <a:p>
-            <a:r>
-              <a:rPr lang="en-US" dirty="0"/>
-              <a:t>Methodology: Data Pipeline</a:t>
-            </a:r>
-          </a:p>
-        </p:txBody>
-      </p:sp>
-      <p:sp>
-        <p:nvSpPr>
-          <p:cNvPr id="5" name="Text Placeholder 4">
-            <a:extLst>
-              <a:ext uri="{FF2B5EF4-FFF2-40B4-BE49-F238E27FC236}">
-                <a16:creationId xmlns="" xmlns:a16="http://schemas.microsoft.com/office/drawing/2014/main" id="{54B191B8-3A55-2B4B-997F-F4A26E39113E}"/>
-              </a:ext>
-            </a:extLst>
-          </p:cNvPr>
-          <p:cNvSpPr>
-            <a:spLocks noGrp="1"/>
-          </p:cNvSpPr>
-          <p:nvPr>
-            <p:ph type="body" sz="quarter" idx="13"/>
-          </p:nvPr>
-        </p:nvSpPr>
-        <p:spPr/>
-        <p:txBody>
-          <a:bodyPr/>
-          <a:lstStyle/>
-          <a:p>
-            <a:pPr>
-              <a:buFont typeface="Arial" panose="020B0604020202020204" pitchFamily="34" charset="0"/>
-              <a:buChar char="•"/>
-            </a:pPr>
-            <a:r>
-              <a:rPr lang="en-US" dirty="0"/>
-              <a:t>Image </a:t>
-            </a:r>
-            <a:r>
-              <a:rPr lang="en-US" dirty="0" smtClean="0"/>
-              <a:t>Collection: </a:t>
-            </a:r>
-            <a:r>
-              <a:rPr lang="en-US" b="1" dirty="0" smtClean="0"/>
-              <a:t>saved </a:t>
-            </a:r>
-            <a:r>
-              <a:rPr lang="en-US" b="1" dirty="0"/>
-              <a:t>and indexed top 100 images, and saved them in a database hosted on AWS </a:t>
-            </a:r>
-            <a:endParaRPr lang="en-US" dirty="0"/>
-          </a:p>
-          <a:p>
-            <a:pPr>
-              <a:buFont typeface="Arial" panose="020B0604020202020204" pitchFamily="34" charset="0"/>
-              <a:buChar char="•"/>
-            </a:pPr>
-            <a:r>
-              <a:rPr lang="en-US" dirty="0"/>
-              <a:t>Face Detection</a:t>
-            </a:r>
-          </a:p>
-          <a:p>
-            <a:pPr>
-              <a:buFont typeface="Arial" panose="020B0604020202020204" pitchFamily="34" charset="0"/>
-              <a:buChar char="•"/>
-            </a:pPr>
-            <a:r>
-              <a:rPr lang="en-US" dirty="0"/>
-              <a:t>Gender Classification </a:t>
-            </a:r>
-          </a:p>
-          <a:p>
-            <a:pPr>
-              <a:buFont typeface="Arial" panose="020B0604020202020204" pitchFamily="34" charset="0"/>
-              <a:buChar char="•"/>
-            </a:pPr>
-            <a:endParaRPr lang="en-US" dirty="0"/>
-          </a:p>
           <a:p>
             <a:endParaRPr lang="en-US" dirty="0"/>
           </a:p>
@@ -9654,7 +9180,7 @@
           <p:cNvPr id="9" name="Picture 8">
             <a:extLst>
               <a:ext uri="{FF2B5EF4-FFF2-40B4-BE49-F238E27FC236}">
-                <a16:creationId xmlns="" xmlns:a16="http://schemas.microsoft.com/office/drawing/2014/main" id="{B7B614FE-9F5F-954E-AC6F-1F28D96AC5BF}"/>
+                <a16:creationId xmlns:a16="http://schemas.microsoft.com/office/drawing/2014/main" xmlns="" id="{B7B614FE-9F5F-954E-AC6F-1F28D96AC5BF}"/>
               </a:ext>
             </a:extLst>
           </p:cNvPr>
@@ -9689,6 +9215,493 @@
     <p:extLst>
       <p:ext uri="{BB962C8B-B14F-4D97-AF65-F5344CB8AC3E}">
         <p14:creationId xmlns:p14="http://schemas.microsoft.com/office/powerpoint/2010/main" val="1695600294"/>
+      </p:ext>
+    </p:extLst>
+  </p:cSld>
+  <p:clrMapOvr>
+    <a:masterClrMapping/>
+  </p:clrMapOvr>
+  <p:timing>
+    <p:tnLst>
+      <p:par>
+        <p:cTn id="1" dur="indefinite" restart="never" nodeType="tmRoot"/>
+      </p:par>
+    </p:tnLst>
+  </p:timing>
+</p:sld>
+</file>
+
+<file path=ppt/slides/slide8.xml><?xml version="1.0" encoding="utf-8"?>
+<p:sld xmlns:a="http://schemas.openxmlformats.org/drawingml/2006/main" xmlns:r="http://schemas.openxmlformats.org/officeDocument/2006/relationships" xmlns:p="http://schemas.openxmlformats.org/presentationml/2006/main">
+  <p:cSld>
+    <p:spTree>
+      <p:nvGrpSpPr>
+        <p:cNvPr id="1" name=""/>
+        <p:cNvGrpSpPr/>
+        <p:nvPr/>
+      </p:nvGrpSpPr>
+      <p:grpSpPr>
+        <a:xfrm>
+          <a:off x="0" y="0"/>
+          <a:ext cx="0" cy="0"/>
+          <a:chOff x="0" y="0"/>
+          <a:chExt cx="0" cy="0"/>
+        </a:xfrm>
+      </p:grpSpPr>
+      <p:sp>
+        <p:nvSpPr>
+          <p:cNvPr id="2" name="Date Placeholder 1">
+            <a:extLst>
+              <a:ext uri="{FF2B5EF4-FFF2-40B4-BE49-F238E27FC236}">
+                <a16:creationId xmlns:a16="http://schemas.microsoft.com/office/drawing/2014/main" xmlns="" id="{5D2ED429-06A7-DD44-9C58-50D57BD4381E}"/>
+              </a:ext>
+            </a:extLst>
+          </p:cNvPr>
+          <p:cNvSpPr>
+            <a:spLocks noGrp="1"/>
+          </p:cNvSpPr>
+          <p:nvPr>
+            <p:ph type="dt" sz="half" idx="10"/>
+          </p:nvPr>
+        </p:nvSpPr>
+        <p:spPr/>
+        <p:txBody>
+          <a:bodyPr/>
+          <a:lstStyle/>
+          <a:p>
+            <a:fld id="{2F5814D8-D17E-403D-BB23-DF0CDA7DEB2B}" type="datetime4">
+              <a:rPr lang="en-US" smtClean="0"/>
+              <a:pPr/>
+              <a:t>July 20, 2019</a:t>
+            </a:fld>
+            <a:endParaRPr lang="en-US" dirty="0"/>
+          </a:p>
+        </p:txBody>
+      </p:sp>
+      <p:sp>
+        <p:nvSpPr>
+          <p:cNvPr id="3" name="Slide Number Placeholder 2">
+            <a:extLst>
+              <a:ext uri="{FF2B5EF4-FFF2-40B4-BE49-F238E27FC236}">
+                <a16:creationId xmlns:a16="http://schemas.microsoft.com/office/drawing/2014/main" xmlns="" id="{63AC43CF-E662-1640-8325-A5213A0F3CC7}"/>
+              </a:ext>
+            </a:extLst>
+          </p:cNvPr>
+          <p:cNvSpPr>
+            <a:spLocks noGrp="1"/>
+          </p:cNvSpPr>
+          <p:nvPr>
+            <p:ph type="sldNum" sz="quarter" idx="11"/>
+          </p:nvPr>
+        </p:nvSpPr>
+        <p:spPr/>
+        <p:txBody>
+          <a:bodyPr/>
+          <a:lstStyle/>
+          <a:p>
+            <a:fld id="{E2B37319-2E82-4D56-ADBC-557F98406E39}" type="slidenum">
+              <a:rPr lang="en-US" smtClean="0"/>
+              <a:pPr/>
+              <a:t>8</a:t>
+            </a:fld>
+            <a:endParaRPr lang="en-US"/>
+          </a:p>
+        </p:txBody>
+      </p:sp>
+      <p:sp>
+        <p:nvSpPr>
+          <p:cNvPr id="4" name="Title 3">
+            <a:extLst>
+              <a:ext uri="{FF2B5EF4-FFF2-40B4-BE49-F238E27FC236}">
+                <a16:creationId xmlns:a16="http://schemas.microsoft.com/office/drawing/2014/main" xmlns="" id="{29A52E9F-A5E7-A64F-A4EB-43304E662494}"/>
+              </a:ext>
+            </a:extLst>
+          </p:cNvPr>
+          <p:cNvSpPr>
+            <a:spLocks noGrp="1"/>
+          </p:cNvSpPr>
+          <p:nvPr>
+            <p:ph type="title"/>
+          </p:nvPr>
+        </p:nvSpPr>
+        <p:spPr/>
+        <p:txBody>
+          <a:bodyPr/>
+          <a:lstStyle/>
+          <a:p>
+            <a:r>
+              <a:rPr lang="en-US" dirty="0"/>
+              <a:t>Methodology: Data Pipeline</a:t>
+            </a:r>
+          </a:p>
+        </p:txBody>
+      </p:sp>
+      <p:sp>
+        <p:nvSpPr>
+          <p:cNvPr id="5" name="Text Placeholder 4">
+            <a:extLst>
+              <a:ext uri="{FF2B5EF4-FFF2-40B4-BE49-F238E27FC236}">
+                <a16:creationId xmlns:a16="http://schemas.microsoft.com/office/drawing/2014/main" xmlns="" id="{7E9B7EC1-DCFE-9945-9C02-0F7830A7BD28}"/>
+              </a:ext>
+            </a:extLst>
+          </p:cNvPr>
+          <p:cNvSpPr>
+            <a:spLocks noGrp="1"/>
+          </p:cNvSpPr>
+          <p:nvPr>
+            <p:ph type="body" sz="quarter" idx="13"/>
+          </p:nvPr>
+        </p:nvSpPr>
+        <p:spPr/>
+        <p:txBody>
+          <a:bodyPr/>
+          <a:lstStyle/>
+          <a:p>
+            <a:pPr>
+              <a:buFont typeface="Arial" panose="020B0604020202020204" pitchFamily="34" charset="0"/>
+              <a:buChar char="•"/>
+            </a:pPr>
+            <a:r>
+              <a:rPr lang="en-US" dirty="0"/>
+              <a:t>Image </a:t>
+            </a:r>
+            <a:r>
+              <a:rPr lang="en-US" dirty="0" smtClean="0"/>
+              <a:t>Collection: </a:t>
+            </a:r>
+            <a:r>
+              <a:rPr lang="en-US" b="1" dirty="0"/>
+              <a:t>saved and indexed top 100 images, and saved them in a database hosted on AWS</a:t>
+            </a:r>
+            <a:r>
+              <a:rPr lang="en-US" dirty="0" smtClean="0"/>
+              <a:t> </a:t>
+            </a:r>
+            <a:endParaRPr lang="en-US" dirty="0"/>
+          </a:p>
+          <a:p>
+            <a:pPr>
+              <a:buFont typeface="Arial" panose="020B0604020202020204" pitchFamily="34" charset="0"/>
+              <a:buChar char="•"/>
+            </a:pPr>
+            <a:r>
+              <a:rPr lang="en-US" dirty="0"/>
+              <a:t>Face </a:t>
+            </a:r>
+            <a:r>
+              <a:rPr lang="en-US" dirty="0" smtClean="0"/>
+              <a:t>Detection: </a:t>
+            </a:r>
+            <a:r>
+              <a:rPr lang="en-US" b="1" dirty="0" smtClean="0"/>
+              <a:t>Open </a:t>
+            </a:r>
+            <a:r>
+              <a:rPr lang="en-US" b="1" dirty="0"/>
+              <a:t>Source  Python package </a:t>
+            </a:r>
+            <a:r>
+              <a:rPr lang="en-US" b="1" dirty="0" err="1" smtClean="0"/>
+              <a:t>dlib</a:t>
+            </a:r>
+            <a:endParaRPr lang="en-US" dirty="0"/>
+          </a:p>
+          <a:p>
+            <a:pPr>
+              <a:buFont typeface="Arial" panose="020B0604020202020204" pitchFamily="34" charset="0"/>
+              <a:buChar char="•"/>
+            </a:pPr>
+            <a:r>
+              <a:rPr lang="en-US" dirty="0"/>
+              <a:t>Gender Classification </a:t>
+            </a:r>
+          </a:p>
+          <a:p>
+            <a:endParaRPr lang="en-US" dirty="0"/>
+          </a:p>
+        </p:txBody>
+      </p:sp>
+      <p:pic>
+        <p:nvPicPr>
+          <p:cNvPr id="9" name="Picture 8">
+            <a:extLst>
+              <a:ext uri="{FF2B5EF4-FFF2-40B4-BE49-F238E27FC236}">
+                <a16:creationId xmlns:a16="http://schemas.microsoft.com/office/drawing/2014/main" xmlns="" id="{CD740452-A280-964A-9EDD-36E39E0A86A0}"/>
+              </a:ext>
+            </a:extLst>
+          </p:cNvPr>
+          <p:cNvPicPr>
+            <a:picLocks noChangeAspect="1"/>
+          </p:cNvPicPr>
+          <p:nvPr/>
+        </p:nvPicPr>
+        <p:blipFill>
+          <a:blip r:embed="rId2">
+            <a:extLst>
+              <a:ext uri="{28A0092B-C50C-407E-A947-70E740481C1C}">
+                <a14:useLocalDpi xmlns:a14="http://schemas.microsoft.com/office/drawing/2010/main" val="0"/>
+              </a:ext>
+            </a:extLst>
+          </a:blip>
+          <a:stretch>
+            <a:fillRect/>
+          </a:stretch>
+        </p:blipFill>
+        <p:spPr>
+          <a:xfrm>
+            <a:off x="2143125" y="2275579"/>
+            <a:ext cx="4095750" cy="2296421"/>
+          </a:xfrm>
+          <a:prstGeom prst="rect">
+            <a:avLst/>
+          </a:prstGeom>
+        </p:spPr>
+      </p:pic>
+    </p:spTree>
+    <p:extLst>
+      <p:ext uri="{BB962C8B-B14F-4D97-AF65-F5344CB8AC3E}">
+        <p14:creationId xmlns:p14="http://schemas.microsoft.com/office/powerpoint/2010/main" val="1481608053"/>
+      </p:ext>
+    </p:extLst>
+  </p:cSld>
+  <p:clrMapOvr>
+    <a:masterClrMapping/>
+  </p:clrMapOvr>
+  <p:timing>
+    <p:tnLst>
+      <p:par>
+        <p:cTn id="1" dur="indefinite" restart="never" nodeType="tmRoot"/>
+      </p:par>
+    </p:tnLst>
+  </p:timing>
+</p:sld>
+</file>
+
+<file path=ppt/slides/slide9.xml><?xml version="1.0" encoding="utf-8"?>
+<p:sld xmlns:a="http://schemas.openxmlformats.org/drawingml/2006/main" xmlns:r="http://schemas.openxmlformats.org/officeDocument/2006/relationships" xmlns:p="http://schemas.openxmlformats.org/presentationml/2006/main">
+  <p:cSld>
+    <p:spTree>
+      <p:nvGrpSpPr>
+        <p:cNvPr id="1" name=""/>
+        <p:cNvGrpSpPr/>
+        <p:nvPr/>
+      </p:nvGrpSpPr>
+      <p:grpSpPr>
+        <a:xfrm>
+          <a:off x="0" y="0"/>
+          <a:ext cx="0" cy="0"/>
+          <a:chOff x="0" y="0"/>
+          <a:chExt cx="0" cy="0"/>
+        </a:xfrm>
+      </p:grpSpPr>
+      <p:sp>
+        <p:nvSpPr>
+          <p:cNvPr id="2" name="Date Placeholder 1">
+            <a:extLst>
+              <a:ext uri="{FF2B5EF4-FFF2-40B4-BE49-F238E27FC236}">
+                <a16:creationId xmlns:a16="http://schemas.microsoft.com/office/drawing/2014/main" xmlns="" id="{5D2ED429-06A7-DD44-9C58-50D57BD4381E}"/>
+              </a:ext>
+            </a:extLst>
+          </p:cNvPr>
+          <p:cNvSpPr>
+            <a:spLocks noGrp="1"/>
+          </p:cNvSpPr>
+          <p:nvPr>
+            <p:ph type="dt" sz="half" idx="10"/>
+          </p:nvPr>
+        </p:nvSpPr>
+        <p:spPr/>
+        <p:txBody>
+          <a:bodyPr/>
+          <a:lstStyle/>
+          <a:p>
+            <a:fld id="{2F5814D8-D17E-403D-BB23-DF0CDA7DEB2B}" type="datetime4">
+              <a:rPr lang="en-US" smtClean="0"/>
+              <a:pPr/>
+              <a:t>July 20, 2019</a:t>
+            </a:fld>
+            <a:endParaRPr lang="en-US" dirty="0"/>
+          </a:p>
+        </p:txBody>
+      </p:sp>
+      <p:sp>
+        <p:nvSpPr>
+          <p:cNvPr id="3" name="Slide Number Placeholder 2">
+            <a:extLst>
+              <a:ext uri="{FF2B5EF4-FFF2-40B4-BE49-F238E27FC236}">
+                <a16:creationId xmlns:a16="http://schemas.microsoft.com/office/drawing/2014/main" xmlns="" id="{63AC43CF-E662-1640-8325-A5213A0F3CC7}"/>
+              </a:ext>
+            </a:extLst>
+          </p:cNvPr>
+          <p:cNvSpPr>
+            <a:spLocks noGrp="1"/>
+          </p:cNvSpPr>
+          <p:nvPr>
+            <p:ph type="sldNum" sz="quarter" idx="11"/>
+          </p:nvPr>
+        </p:nvSpPr>
+        <p:spPr/>
+        <p:txBody>
+          <a:bodyPr/>
+          <a:lstStyle/>
+          <a:p>
+            <a:fld id="{E2B37319-2E82-4D56-ADBC-557F98406E39}" type="slidenum">
+              <a:rPr lang="en-US" smtClean="0"/>
+              <a:pPr/>
+              <a:t>9</a:t>
+            </a:fld>
+            <a:endParaRPr lang="en-US"/>
+          </a:p>
+        </p:txBody>
+      </p:sp>
+      <p:sp>
+        <p:nvSpPr>
+          <p:cNvPr id="4" name="Title 3">
+            <a:extLst>
+              <a:ext uri="{FF2B5EF4-FFF2-40B4-BE49-F238E27FC236}">
+                <a16:creationId xmlns:a16="http://schemas.microsoft.com/office/drawing/2014/main" xmlns="" id="{29A52E9F-A5E7-A64F-A4EB-43304E662494}"/>
+              </a:ext>
+            </a:extLst>
+          </p:cNvPr>
+          <p:cNvSpPr>
+            <a:spLocks noGrp="1"/>
+          </p:cNvSpPr>
+          <p:nvPr>
+            <p:ph type="title"/>
+          </p:nvPr>
+        </p:nvSpPr>
+        <p:spPr/>
+        <p:txBody>
+          <a:bodyPr/>
+          <a:lstStyle/>
+          <a:p>
+            <a:r>
+              <a:rPr lang="en-US" dirty="0"/>
+              <a:t>Methodology: Data Pipeline</a:t>
+            </a:r>
+          </a:p>
+        </p:txBody>
+      </p:sp>
+      <p:sp>
+        <p:nvSpPr>
+          <p:cNvPr id="5" name="Text Placeholder 4">
+            <a:extLst>
+              <a:ext uri="{FF2B5EF4-FFF2-40B4-BE49-F238E27FC236}">
+                <a16:creationId xmlns:a16="http://schemas.microsoft.com/office/drawing/2014/main" xmlns="" id="{7E9B7EC1-DCFE-9945-9C02-0F7830A7BD28}"/>
+              </a:ext>
+            </a:extLst>
+          </p:cNvPr>
+          <p:cNvSpPr>
+            <a:spLocks noGrp="1"/>
+          </p:cNvSpPr>
+          <p:nvPr>
+            <p:ph type="body" sz="quarter" idx="13"/>
+          </p:nvPr>
+        </p:nvSpPr>
+        <p:spPr/>
+        <p:txBody>
+          <a:bodyPr/>
+          <a:lstStyle/>
+          <a:p>
+            <a:pPr>
+              <a:buFont typeface="Arial" panose="020B0604020202020204" pitchFamily="34" charset="0"/>
+              <a:buChar char="•"/>
+            </a:pPr>
+            <a:r>
+              <a:rPr lang="en-US" dirty="0"/>
+              <a:t>Image Collection: </a:t>
+            </a:r>
+            <a:r>
+              <a:rPr lang="en-US" b="1" dirty="0"/>
+              <a:t>saved and indexed top 100 images, and saved them in a database hosted on AWS</a:t>
+            </a:r>
+            <a:r>
+              <a:rPr lang="en-US" dirty="0"/>
+              <a:t> </a:t>
+            </a:r>
+          </a:p>
+          <a:p>
+            <a:pPr>
+              <a:buFont typeface="Arial" panose="020B0604020202020204" pitchFamily="34" charset="0"/>
+              <a:buChar char="•"/>
+            </a:pPr>
+            <a:r>
+              <a:rPr lang="en-US" dirty="0"/>
+              <a:t>Face Detection: </a:t>
+            </a:r>
+            <a:r>
+              <a:rPr lang="en-US" b="1" dirty="0"/>
+              <a:t>Open Source  Python package </a:t>
+            </a:r>
+            <a:r>
+              <a:rPr lang="en-US" b="1" dirty="0" err="1"/>
+              <a:t>dlib</a:t>
+            </a:r>
+            <a:endParaRPr lang="en-US" dirty="0"/>
+          </a:p>
+          <a:p>
+            <a:pPr>
+              <a:buFont typeface="Arial" panose="020B0604020202020204" pitchFamily="34" charset="0"/>
+              <a:buChar char="•"/>
+            </a:pPr>
+            <a:r>
+              <a:rPr lang="en-US" dirty="0" smtClean="0"/>
+              <a:t>Gender </a:t>
+            </a:r>
+            <a:r>
+              <a:rPr lang="en-US" dirty="0"/>
+              <a:t>Classification:</a:t>
+            </a:r>
+            <a:r>
+              <a:rPr lang="en-US" b="1" dirty="0"/>
+              <a:t> leveraged pre-trained neural network via Transfer Learning </a:t>
+            </a:r>
+          </a:p>
+          <a:p>
+            <a:endParaRPr lang="en-US" dirty="0"/>
+          </a:p>
+        </p:txBody>
+      </p:sp>
+      <p:pic>
+        <p:nvPicPr>
+          <p:cNvPr id="7" name="Picture 6">
+            <a:extLst>
+              <a:ext uri="{FF2B5EF4-FFF2-40B4-BE49-F238E27FC236}">
+                <a16:creationId xmlns:a16="http://schemas.microsoft.com/office/drawing/2014/main" xmlns="" id="{7F6473A9-831E-414D-919C-19D6BF85587A}"/>
+              </a:ext>
+            </a:extLst>
+          </p:cNvPr>
+          <p:cNvPicPr>
+            <a:picLocks noChangeAspect="1"/>
+          </p:cNvPicPr>
+          <p:nvPr/>
+        </p:nvPicPr>
+        <p:blipFill>
+          <a:blip r:embed="rId2">
+            <a:extLst>
+              <a:ext uri="{28A0092B-C50C-407E-A947-70E740481C1C}">
+                <a14:useLocalDpi xmlns:a14="http://schemas.microsoft.com/office/drawing/2010/main" val="0"/>
+              </a:ext>
+            </a:extLst>
+          </a:blip>
+          <a:stretch>
+            <a:fillRect/>
+          </a:stretch>
+        </p:blipFill>
+        <p:spPr>
+          <a:xfrm>
+            <a:off x="2057400" y="2419350"/>
+            <a:ext cx="4611668" cy="2552700"/>
+          </a:xfrm>
+          <a:prstGeom prst="rect">
+            <a:avLst/>
+          </a:prstGeom>
+        </p:spPr>
+      </p:pic>
+    </p:spTree>
+    <p:extLst>
+      <p:ext uri="{BB962C8B-B14F-4D97-AF65-F5344CB8AC3E}">
+        <p14:creationId xmlns:p14="http://schemas.microsoft.com/office/powerpoint/2010/main" val="1751664395"/>
       </p:ext>
     </p:extLst>
   </p:cSld>
